--- a/AndreWarsaw_ABS_Presentation.pptx
+++ b/AndreWarsaw_ABS_Presentation.pptx
@@ -5,7 +5,7 @@
     <p:sldMasterId id="2147483648" r:id="rId1"/>
   </p:sldMasterIdLst>
   <p:notesMasterIdLst>
-    <p:notesMasterId r:id="rId12"/>
+    <p:notesMasterId r:id="rId14"/>
   </p:notesMasterIdLst>
   <p:sldIdLst>
     <p:sldId id="256" r:id="rId2"/>
@@ -18,6 +18,8 @@
     <p:sldId id="263" r:id="rId9"/>
     <p:sldId id="264" r:id="rId10"/>
     <p:sldId id="265" r:id="rId11"/>
+    <p:sldId id="266" r:id="rId12"/>
+    <p:sldId id="267" r:id="rId13"/>
   </p:sldIdLst>
   <p:sldSz cx="12192000" cy="6858000"/>
   <p:notesSz cx="6858000" cy="9144000"/>
@@ -549,6 +551,222 @@
     <p:extLst>
       <p:ext uri="{BB962C8B-B14F-4D97-AF65-F5344CB8AC3E}">
         <p14:creationId xmlns:p14="http://schemas.microsoft.com/office/powerpoint/2010/main" val="1270339904"/>
+      </p:ext>
+    </p:extLst>
+  </p:cSld>
+  <p:clrMapOvr>
+    <a:masterClrMapping/>
+  </p:clrMapOvr>
+</p:notes>
+</file>
+
+<file path=ppt/notesSlides/notesSlide10.xml><?xml version="1.0" encoding="utf-8"?>
+<p:notes xmlns:a="http://schemas.openxmlformats.org/drawingml/2006/main" xmlns:r="http://schemas.openxmlformats.org/officeDocument/2006/relationships" xmlns:p="http://schemas.openxmlformats.org/presentationml/2006/main">
+  <p:cSld>
+    <p:spTree>
+      <p:nvGrpSpPr>
+        <p:cNvPr id="1" name="">
+          <a:extLst>
+            <a:ext uri="{FF2B5EF4-FFF2-40B4-BE49-F238E27FC236}">
+              <a16:creationId xmlns:a16="http://schemas.microsoft.com/office/drawing/2014/main" id="{A37AE602-BB3F-A96A-33EA-82043A9732D5}"/>
+            </a:ext>
+          </a:extLst>
+        </p:cNvPr>
+        <p:cNvGrpSpPr/>
+        <p:nvPr/>
+      </p:nvGrpSpPr>
+      <p:grpSpPr>
+        <a:xfrm>
+          <a:off x="0" y="0"/>
+          <a:ext cx="0" cy="0"/>
+          <a:chOff x="0" y="0"/>
+          <a:chExt cx="0" cy="0"/>
+        </a:xfrm>
+      </p:grpSpPr>
+      <p:sp>
+        <p:nvSpPr>
+          <p:cNvPr id="2" name="Slide Image Placeholder 1">
+            <a:extLst>
+              <a:ext uri="{FF2B5EF4-FFF2-40B4-BE49-F238E27FC236}">
+                <a16:creationId xmlns:a16="http://schemas.microsoft.com/office/drawing/2014/main" id="{2252CE94-0232-D638-568C-6A0D050159F9}"/>
+              </a:ext>
+            </a:extLst>
+          </p:cNvPr>
+          <p:cNvSpPr>
+            <a:spLocks noGrp="1" noRot="1" noChangeAspect="1"/>
+          </p:cNvSpPr>
+          <p:nvPr>
+            <p:ph type="sldImg"/>
+          </p:nvPr>
+        </p:nvSpPr>
+        <p:spPr/>
+      </p:sp>
+      <p:sp>
+        <p:nvSpPr>
+          <p:cNvPr id="3" name="Notes Placeholder 2">
+            <a:extLst>
+              <a:ext uri="{FF2B5EF4-FFF2-40B4-BE49-F238E27FC236}">
+                <a16:creationId xmlns:a16="http://schemas.microsoft.com/office/drawing/2014/main" id="{747F143D-339E-472E-3A0E-056E9235DB42}"/>
+              </a:ext>
+            </a:extLst>
+          </p:cNvPr>
+          <p:cNvSpPr>
+            <a:spLocks noGrp="1"/>
+          </p:cNvSpPr>
+          <p:nvPr>
+            <p:ph type="body" idx="1"/>
+          </p:nvPr>
+        </p:nvSpPr>
+        <p:spPr/>
+        <p:txBody>
+          <a:bodyPr/>
+          <a:lstStyle/>
+          <a:p>
+            <a:endParaRPr lang="en-US" dirty="0"/>
+          </a:p>
+        </p:txBody>
+      </p:sp>
+      <p:sp>
+        <p:nvSpPr>
+          <p:cNvPr id="4" name="Slide Number Placeholder 3">
+            <a:extLst>
+              <a:ext uri="{FF2B5EF4-FFF2-40B4-BE49-F238E27FC236}">
+                <a16:creationId xmlns:a16="http://schemas.microsoft.com/office/drawing/2014/main" id="{D9A29EA4-CDE9-7261-CE0F-14674FCBA818}"/>
+              </a:ext>
+            </a:extLst>
+          </p:cNvPr>
+          <p:cNvSpPr>
+            <a:spLocks noGrp="1"/>
+          </p:cNvSpPr>
+          <p:nvPr>
+            <p:ph type="sldNum" sz="quarter" idx="5"/>
+          </p:nvPr>
+        </p:nvSpPr>
+        <p:spPr/>
+        <p:txBody>
+          <a:bodyPr/>
+          <a:lstStyle/>
+          <a:p>
+            <a:fld id="{8FA9E90D-8FD9-4946-B96D-09C040477199}" type="slidenum">
+              <a:rPr lang="en-US" smtClean="0"/>
+              <a:t>11</a:t>
+            </a:fld>
+            <a:endParaRPr lang="en-US"/>
+          </a:p>
+        </p:txBody>
+      </p:sp>
+    </p:spTree>
+    <p:extLst>
+      <p:ext uri="{BB962C8B-B14F-4D97-AF65-F5344CB8AC3E}">
+        <p14:creationId xmlns:p14="http://schemas.microsoft.com/office/powerpoint/2010/main" val="2772183288"/>
+      </p:ext>
+    </p:extLst>
+  </p:cSld>
+  <p:clrMapOvr>
+    <a:masterClrMapping/>
+  </p:clrMapOvr>
+</p:notes>
+</file>
+
+<file path=ppt/notesSlides/notesSlide11.xml><?xml version="1.0" encoding="utf-8"?>
+<p:notes xmlns:a="http://schemas.openxmlformats.org/drawingml/2006/main" xmlns:r="http://schemas.openxmlformats.org/officeDocument/2006/relationships" xmlns:p="http://schemas.openxmlformats.org/presentationml/2006/main">
+  <p:cSld>
+    <p:spTree>
+      <p:nvGrpSpPr>
+        <p:cNvPr id="1" name="">
+          <a:extLst>
+            <a:ext uri="{FF2B5EF4-FFF2-40B4-BE49-F238E27FC236}">
+              <a16:creationId xmlns:a16="http://schemas.microsoft.com/office/drawing/2014/main" id="{5FFA93CE-3F7C-21C1-B80B-5B2CD1FF2628}"/>
+            </a:ext>
+          </a:extLst>
+        </p:cNvPr>
+        <p:cNvGrpSpPr/>
+        <p:nvPr/>
+      </p:nvGrpSpPr>
+      <p:grpSpPr>
+        <a:xfrm>
+          <a:off x="0" y="0"/>
+          <a:ext cx="0" cy="0"/>
+          <a:chOff x="0" y="0"/>
+          <a:chExt cx="0" cy="0"/>
+        </a:xfrm>
+      </p:grpSpPr>
+      <p:sp>
+        <p:nvSpPr>
+          <p:cNvPr id="2" name="Slide Image Placeholder 1">
+            <a:extLst>
+              <a:ext uri="{FF2B5EF4-FFF2-40B4-BE49-F238E27FC236}">
+                <a16:creationId xmlns:a16="http://schemas.microsoft.com/office/drawing/2014/main" id="{AF40FC4E-849B-A8F2-ABB0-CA6009146271}"/>
+              </a:ext>
+            </a:extLst>
+          </p:cNvPr>
+          <p:cNvSpPr>
+            <a:spLocks noGrp="1" noRot="1" noChangeAspect="1"/>
+          </p:cNvSpPr>
+          <p:nvPr>
+            <p:ph type="sldImg"/>
+          </p:nvPr>
+        </p:nvSpPr>
+        <p:spPr/>
+      </p:sp>
+      <p:sp>
+        <p:nvSpPr>
+          <p:cNvPr id="3" name="Notes Placeholder 2">
+            <a:extLst>
+              <a:ext uri="{FF2B5EF4-FFF2-40B4-BE49-F238E27FC236}">
+                <a16:creationId xmlns:a16="http://schemas.microsoft.com/office/drawing/2014/main" id="{9663081F-4AA1-B5D8-314F-4A818BE66B41}"/>
+              </a:ext>
+            </a:extLst>
+          </p:cNvPr>
+          <p:cNvSpPr>
+            <a:spLocks noGrp="1"/>
+          </p:cNvSpPr>
+          <p:nvPr>
+            <p:ph type="body" idx="1"/>
+          </p:nvPr>
+        </p:nvSpPr>
+        <p:spPr/>
+        <p:txBody>
+          <a:bodyPr/>
+          <a:lstStyle/>
+          <a:p>
+            <a:endParaRPr lang="en-US" dirty="0"/>
+          </a:p>
+        </p:txBody>
+      </p:sp>
+      <p:sp>
+        <p:nvSpPr>
+          <p:cNvPr id="4" name="Slide Number Placeholder 3">
+            <a:extLst>
+              <a:ext uri="{FF2B5EF4-FFF2-40B4-BE49-F238E27FC236}">
+                <a16:creationId xmlns:a16="http://schemas.microsoft.com/office/drawing/2014/main" id="{2E89BC46-FB73-ED95-B1B2-B3B1055ACEF3}"/>
+              </a:ext>
+            </a:extLst>
+          </p:cNvPr>
+          <p:cNvSpPr>
+            <a:spLocks noGrp="1"/>
+          </p:cNvSpPr>
+          <p:nvPr>
+            <p:ph type="sldNum" sz="quarter" idx="5"/>
+          </p:nvPr>
+        </p:nvSpPr>
+        <p:spPr/>
+        <p:txBody>
+          <a:bodyPr/>
+          <a:lstStyle/>
+          <a:p>
+            <a:fld id="{8FA9E90D-8FD9-4946-B96D-09C040477199}" type="slidenum">
+              <a:rPr lang="en-US" smtClean="0"/>
+              <a:t>12</a:t>
+            </a:fld>
+            <a:endParaRPr lang="en-US"/>
+          </a:p>
+        </p:txBody>
+      </p:sp>
+    </p:spTree>
+    <p:extLst>
+      <p:ext uri="{BB962C8B-B14F-4D97-AF65-F5344CB8AC3E}">
+        <p14:creationId xmlns:p14="http://schemas.microsoft.com/office/powerpoint/2010/main" val="970151537"/>
       </p:ext>
     </p:extLst>
   </p:cSld>
@@ -6088,6 +6306,47 @@
           </a:p>
         </p:txBody>
       </p:sp>
+      <p:sp>
+        <p:nvSpPr>
+          <p:cNvPr id="2" name="TextBox 1">
+            <a:extLst>
+              <a:ext uri="{FF2B5EF4-FFF2-40B4-BE49-F238E27FC236}">
+                <a16:creationId xmlns:a16="http://schemas.microsoft.com/office/drawing/2014/main" id="{2179ED4A-681F-D7EE-A13D-8B01593B524B}"/>
+              </a:ext>
+            </a:extLst>
+          </p:cNvPr>
+          <p:cNvSpPr txBox="1"/>
+          <p:nvPr/>
+        </p:nvSpPr>
+        <p:spPr>
+          <a:xfrm>
+            <a:off x="7061982" y="4712677"/>
+            <a:ext cx="3094892" cy="400110"/>
+          </a:xfrm>
+          <a:prstGeom prst="rect">
+            <a:avLst/>
+          </a:prstGeom>
+          <a:noFill/>
+        </p:spPr>
+        <p:txBody>
+          <a:bodyPr wrap="square" rtlCol="0">
+            <a:spAutoFit/>
+          </a:bodyPr>
+          <a:lstStyle/>
+          <a:p>
+            <a:pPr algn="ctr"/>
+            <a:r>
+              <a:rPr lang="en-US" sz="2000" dirty="0">
+                <a:solidFill>
+                  <a:schemeClr val="bg1"/>
+                </a:solidFill>
+                <a:latin typeface="Montserrat Medium" pitchFamily="2" charset="77"/>
+              </a:rPr>
+              <a:t>Andre Warsaw</a:t>
+            </a:r>
+          </a:p>
+        </p:txBody>
+      </p:sp>
     </p:spTree>
     <p:extLst>
       <p:ext uri="{BB962C8B-B14F-4D97-AF65-F5344CB8AC3E}">
@@ -6626,13 +6885,373 @@
   <p:clrMapOvr>
     <a:masterClrMapping/>
   </p:clrMapOvr>
-  <mc:AlternateContent xmlns:mc="http://schemas.openxmlformats.org/markup-compatibility/2006">
-    <mc:Choice xmlns:p159="http://schemas.microsoft.com/office/powerpoint/2015/09/main" Requires="p159">
+  <mc:AlternateContent xmlns:mc="http://schemas.openxmlformats.org/markup-compatibility/2006" xmlns:p159="http://schemas.microsoft.com/office/powerpoint/2015/09/main">
+    <mc:Choice Requires="p159">
       <p:transition xmlns:p14="http://schemas.microsoft.com/office/powerpoint/2010/main" spd="slow" p14:dur="2000">
         <p159:morph option="byObject"/>
       </p:transition>
     </mc:Choice>
-    <mc:Fallback>
+    <mc:Fallback xmlns="">
+      <p:transition spd="slow">
+        <p:fade/>
+      </p:transition>
+    </mc:Fallback>
+  </mc:AlternateContent>
+</p:sld>
+</file>
+
+<file path=ppt/slides/slide11.xml><?xml version="1.0" encoding="utf-8"?>
+<p:sld xmlns:a="http://schemas.openxmlformats.org/drawingml/2006/main" xmlns:r="http://schemas.openxmlformats.org/officeDocument/2006/relationships" xmlns:p="http://schemas.openxmlformats.org/presentationml/2006/main">
+  <p:cSld>
+    <p:bg>
+      <p:bgPr>
+        <a:solidFill>
+          <a:srgbClr val="920F00"/>
+        </a:solidFill>
+        <a:effectLst/>
+      </p:bgPr>
+    </p:bg>
+    <p:spTree>
+      <p:nvGrpSpPr>
+        <p:cNvPr id="1" name="">
+          <a:extLst>
+            <a:ext uri="{FF2B5EF4-FFF2-40B4-BE49-F238E27FC236}">
+              <a16:creationId xmlns:a16="http://schemas.microsoft.com/office/drawing/2014/main" id="{226CB30D-1716-1CA4-23DC-9CFB91930DE3}"/>
+            </a:ext>
+          </a:extLst>
+        </p:cNvPr>
+        <p:cNvGrpSpPr/>
+        <p:nvPr/>
+      </p:nvGrpSpPr>
+      <p:grpSpPr>
+        <a:xfrm>
+          <a:off x="0" y="0"/>
+          <a:ext cx="0" cy="0"/>
+          <a:chOff x="0" y="0"/>
+          <a:chExt cx="0" cy="0"/>
+        </a:xfrm>
+      </p:grpSpPr>
+      <p:sp>
+        <p:nvSpPr>
+          <p:cNvPr id="4" name="TextBox 3">
+            <a:extLst>
+              <a:ext uri="{FF2B5EF4-FFF2-40B4-BE49-F238E27FC236}">
+                <a16:creationId xmlns:a16="http://schemas.microsoft.com/office/drawing/2014/main" id="{95805E58-D322-4A6C-44BB-F2943A6B71E4}"/>
+              </a:ext>
+            </a:extLst>
+          </p:cNvPr>
+          <p:cNvSpPr txBox="1"/>
+          <p:nvPr/>
+        </p:nvSpPr>
+        <p:spPr>
+          <a:xfrm>
+            <a:off x="3446585" y="633046"/>
+            <a:ext cx="5430129" cy="584775"/>
+          </a:xfrm>
+          <a:prstGeom prst="rect">
+            <a:avLst/>
+          </a:prstGeom>
+          <a:noFill/>
+        </p:spPr>
+        <p:txBody>
+          <a:bodyPr wrap="square" rtlCol="0">
+            <a:spAutoFit/>
+          </a:bodyPr>
+          <a:lstStyle/>
+          <a:p>
+            <a:pPr algn="ctr"/>
+            <a:r>
+              <a:rPr lang="en-US" sz="3200" b="1" dirty="0">
+                <a:solidFill>
+                  <a:schemeClr val="bg1"/>
+                </a:solidFill>
+                <a:latin typeface="Montserrat Black" pitchFamily="2" charset="77"/>
+              </a:rPr>
+              <a:t>Acknowledgments</a:t>
+            </a:r>
+          </a:p>
+        </p:txBody>
+      </p:sp>
+      <p:sp>
+        <p:nvSpPr>
+          <p:cNvPr id="5" name="TextBox 4">
+            <a:extLst>
+              <a:ext uri="{FF2B5EF4-FFF2-40B4-BE49-F238E27FC236}">
+                <a16:creationId xmlns:a16="http://schemas.microsoft.com/office/drawing/2014/main" id="{FCBE2F3D-74BB-111B-00F2-187397CFF725}"/>
+              </a:ext>
+            </a:extLst>
+          </p:cNvPr>
+          <p:cNvSpPr txBox="1"/>
+          <p:nvPr/>
+        </p:nvSpPr>
+        <p:spPr>
+          <a:xfrm>
+            <a:off x="665871" y="2037470"/>
+            <a:ext cx="10911840" cy="2862322"/>
+          </a:xfrm>
+          <a:prstGeom prst="rect">
+            <a:avLst/>
+          </a:prstGeom>
+          <a:noFill/>
+        </p:spPr>
+        <p:txBody>
+          <a:bodyPr wrap="square" rtlCol="0">
+            <a:spAutoFit/>
+          </a:bodyPr>
+          <a:lstStyle/>
+          <a:p>
+            <a:pPr marL="342900" indent="-342900">
+              <a:buFont typeface="Arial" panose="020B0604020202020204" pitchFamily="34" charset="0"/>
+              <a:buChar char="•"/>
+            </a:pPr>
+            <a:r>
+              <a:rPr lang="en-US" sz="2000" dirty="0">
+                <a:solidFill>
+                  <a:schemeClr val="bg1"/>
+                </a:solidFill>
+                <a:latin typeface="Montserrat" pitchFamily="2" charset="77"/>
+              </a:rPr>
+              <a:t>ABS team for keeping me on track and assisting me every week with understanding the data set they have provided and stopping me from going the wrong direction with my research whenever it was needed</a:t>
+            </a:r>
+          </a:p>
+          <a:p>
+            <a:pPr marL="342900" indent="-342900">
+              <a:buFont typeface="Arial" panose="020B0604020202020204" pitchFamily="34" charset="0"/>
+              <a:buChar char="•"/>
+            </a:pPr>
+            <a:r>
+              <a:rPr lang="en-US" sz="2000" dirty="0">
+                <a:solidFill>
+                  <a:schemeClr val="bg1"/>
+                </a:solidFill>
+                <a:latin typeface="Montserrat" pitchFamily="2" charset="77"/>
+              </a:rPr>
+              <a:t>Data Montgomery team for helping with organizing meetings, and all communication and also helping with finding supplementary data even if we never ended up using it</a:t>
+            </a:r>
+          </a:p>
+          <a:p>
+            <a:pPr marL="342900" indent="-342900">
+              <a:buFont typeface="Arial" panose="020B0604020202020204" pitchFamily="34" charset="0"/>
+              <a:buChar char="•"/>
+            </a:pPr>
+            <a:r>
+              <a:rPr lang="en-US" sz="2000" dirty="0">
+                <a:solidFill>
+                  <a:schemeClr val="bg1"/>
+                </a:solidFill>
+                <a:latin typeface="Montserrat" pitchFamily="2" charset="77"/>
+              </a:rPr>
+              <a:t>Prof. Lori Perine for advising me on how to move forward with my machine learning models </a:t>
+            </a:r>
+          </a:p>
+          <a:p>
+            <a:pPr marL="342900" indent="-342900">
+              <a:buFont typeface="Arial" panose="020B0604020202020204" pitchFamily="34" charset="0"/>
+              <a:buChar char="•"/>
+            </a:pPr>
+            <a:r>
+              <a:rPr lang="en-US" sz="2000" dirty="0">
+                <a:solidFill>
+                  <a:schemeClr val="bg1"/>
+                </a:solidFill>
+                <a:latin typeface="Montserrat" pitchFamily="2" charset="77"/>
+              </a:rPr>
+              <a:t>My fellow teammate Arash as his research also helped sharpen my approach </a:t>
+            </a:r>
+          </a:p>
+        </p:txBody>
+      </p:sp>
+    </p:spTree>
+    <p:extLst>
+      <p:ext uri="{BB962C8B-B14F-4D97-AF65-F5344CB8AC3E}">
+        <p14:creationId xmlns:p14="http://schemas.microsoft.com/office/powerpoint/2010/main" val="3857028313"/>
+      </p:ext>
+    </p:extLst>
+  </p:cSld>
+  <p:clrMapOvr>
+    <a:masterClrMapping/>
+  </p:clrMapOvr>
+  <mc:AlternateContent xmlns:mc="http://schemas.openxmlformats.org/markup-compatibility/2006" xmlns:p159="http://schemas.microsoft.com/office/powerpoint/2015/09/main">
+    <mc:Choice Requires="p159">
+      <p:transition xmlns:p14="http://schemas.microsoft.com/office/powerpoint/2010/main" spd="slow" p14:dur="2000">
+        <p159:morph option="byObject"/>
+      </p:transition>
+    </mc:Choice>
+    <mc:Fallback xmlns="">
+      <p:transition spd="slow">
+        <p:fade/>
+      </p:transition>
+    </mc:Fallback>
+  </mc:AlternateContent>
+</p:sld>
+</file>
+
+<file path=ppt/slides/slide12.xml><?xml version="1.0" encoding="utf-8"?>
+<p:sld xmlns:a="http://schemas.openxmlformats.org/drawingml/2006/main" xmlns:r="http://schemas.openxmlformats.org/officeDocument/2006/relationships" xmlns:p="http://schemas.openxmlformats.org/presentationml/2006/main">
+  <p:cSld>
+    <p:bg>
+      <p:bgPr>
+        <a:solidFill>
+          <a:srgbClr val="920F00"/>
+        </a:solidFill>
+        <a:effectLst/>
+      </p:bgPr>
+    </p:bg>
+    <p:spTree>
+      <p:nvGrpSpPr>
+        <p:cNvPr id="1" name="">
+          <a:extLst>
+            <a:ext uri="{FF2B5EF4-FFF2-40B4-BE49-F238E27FC236}">
+              <a16:creationId xmlns:a16="http://schemas.microsoft.com/office/drawing/2014/main" id="{64F43A98-D604-20F2-CA7B-E897567CDBA1}"/>
+            </a:ext>
+          </a:extLst>
+        </p:cNvPr>
+        <p:cNvGrpSpPr/>
+        <p:nvPr/>
+      </p:nvGrpSpPr>
+      <p:grpSpPr>
+        <a:xfrm>
+          <a:off x="0" y="0"/>
+          <a:ext cx="0" cy="0"/>
+          <a:chOff x="0" y="0"/>
+          <a:chExt cx="0" cy="0"/>
+        </a:xfrm>
+      </p:grpSpPr>
+      <p:sp>
+        <p:nvSpPr>
+          <p:cNvPr id="4" name="TextBox 3">
+            <a:extLst>
+              <a:ext uri="{FF2B5EF4-FFF2-40B4-BE49-F238E27FC236}">
+                <a16:creationId xmlns:a16="http://schemas.microsoft.com/office/drawing/2014/main" id="{7BBDF725-4E88-EAEA-7FDD-D52E39811D81}"/>
+              </a:ext>
+            </a:extLst>
+          </p:cNvPr>
+          <p:cNvSpPr txBox="1"/>
+          <p:nvPr/>
+        </p:nvSpPr>
+        <p:spPr>
+          <a:xfrm>
+            <a:off x="3446585" y="633046"/>
+            <a:ext cx="5430129" cy="584775"/>
+          </a:xfrm>
+          <a:prstGeom prst="rect">
+            <a:avLst/>
+          </a:prstGeom>
+          <a:noFill/>
+        </p:spPr>
+        <p:txBody>
+          <a:bodyPr wrap="square" rtlCol="0">
+            <a:spAutoFit/>
+          </a:bodyPr>
+          <a:lstStyle/>
+          <a:p>
+            <a:pPr algn="ctr"/>
+            <a:r>
+              <a:rPr lang="en-US" sz="3200" b="1" dirty="0">
+                <a:solidFill>
+                  <a:schemeClr val="bg1"/>
+                </a:solidFill>
+                <a:latin typeface="Montserrat Black" pitchFamily="2" charset="77"/>
+              </a:rPr>
+              <a:t>Link to Research</a:t>
+            </a:r>
+          </a:p>
+        </p:txBody>
+      </p:sp>
+      <p:sp>
+        <p:nvSpPr>
+          <p:cNvPr id="5" name="TextBox 4">
+            <a:extLst>
+              <a:ext uri="{FF2B5EF4-FFF2-40B4-BE49-F238E27FC236}">
+                <a16:creationId xmlns:a16="http://schemas.microsoft.com/office/drawing/2014/main" id="{916E3E96-F15E-CB38-9EC4-AA79D406029B}"/>
+              </a:ext>
+            </a:extLst>
+          </p:cNvPr>
+          <p:cNvSpPr txBox="1"/>
+          <p:nvPr/>
+        </p:nvSpPr>
+        <p:spPr>
+          <a:xfrm>
+            <a:off x="640080" y="2065605"/>
+            <a:ext cx="10911840" cy="400110"/>
+          </a:xfrm>
+          <a:prstGeom prst="rect">
+            <a:avLst/>
+          </a:prstGeom>
+          <a:noFill/>
+        </p:spPr>
+        <p:txBody>
+          <a:bodyPr wrap="square" rtlCol="0">
+            <a:spAutoFit/>
+          </a:bodyPr>
+          <a:lstStyle/>
+          <a:p>
+            <a:pPr algn="ctr"/>
+            <a:r>
+              <a:rPr lang="en-US" sz="2000" dirty="0">
+                <a:solidFill>
+                  <a:schemeClr val="bg1"/>
+                </a:solidFill>
+                <a:latin typeface="Montserrat" pitchFamily="2" charset="77"/>
+              </a:rPr>
+              <a:t>https://</a:t>
+            </a:r>
+            <a:r>
+              <a:rPr lang="en-US" sz="2000" dirty="0" err="1">
+                <a:solidFill>
+                  <a:schemeClr val="bg1"/>
+                </a:solidFill>
+                <a:latin typeface="Montserrat" pitchFamily="2" charset="77"/>
+              </a:rPr>
+              <a:t>github.com</a:t>
+            </a:r>
+            <a:r>
+              <a:rPr lang="en-US" sz="2000" dirty="0">
+                <a:solidFill>
+                  <a:schemeClr val="bg1"/>
+                </a:solidFill>
+                <a:latin typeface="Montserrat" pitchFamily="2" charset="77"/>
+              </a:rPr>
+              <a:t>/</a:t>
+            </a:r>
+            <a:r>
+              <a:rPr lang="en-US" sz="2000" dirty="0" err="1">
+                <a:solidFill>
+                  <a:schemeClr val="bg1"/>
+                </a:solidFill>
+                <a:latin typeface="Montserrat" pitchFamily="2" charset="77"/>
+              </a:rPr>
+              <a:t>wasraw</a:t>
+            </a:r>
+            <a:r>
+              <a:rPr lang="en-US" sz="2000" dirty="0">
+                <a:solidFill>
+                  <a:schemeClr val="bg1"/>
+                </a:solidFill>
+                <a:latin typeface="Montserrat" pitchFamily="2" charset="77"/>
+              </a:rPr>
+              <a:t>/DATA-205</a:t>
+            </a:r>
+          </a:p>
+        </p:txBody>
+      </p:sp>
+    </p:spTree>
+    <p:extLst>
+      <p:ext uri="{BB962C8B-B14F-4D97-AF65-F5344CB8AC3E}">
+        <p14:creationId xmlns:p14="http://schemas.microsoft.com/office/powerpoint/2010/main" val="4209210938"/>
+      </p:ext>
+    </p:extLst>
+  </p:cSld>
+  <p:clrMapOvr>
+    <a:masterClrMapping/>
+  </p:clrMapOvr>
+  <mc:AlternateContent xmlns:mc="http://schemas.openxmlformats.org/markup-compatibility/2006" xmlns:p159="http://schemas.microsoft.com/office/powerpoint/2015/09/main">
+    <mc:Choice Requires="p159">
+      <p:transition xmlns:p14="http://schemas.microsoft.com/office/powerpoint/2010/main" spd="slow" p14:dur="2000">
+        <p159:morph option="byObject"/>
+      </p:transition>
+    </mc:Choice>
+    <mc:Fallback xmlns="">
       <p:transition spd="slow">
         <p:fade/>
       </p:transition>
@@ -8850,13 +9469,13 @@
   <p:clrMapOvr>
     <a:masterClrMapping/>
   </p:clrMapOvr>
-  <mc:AlternateContent xmlns:mc="http://schemas.openxmlformats.org/markup-compatibility/2006">
-    <mc:Choice xmlns:p159="http://schemas.microsoft.com/office/powerpoint/2015/09/main" Requires="p159">
+  <mc:AlternateContent xmlns:mc="http://schemas.openxmlformats.org/markup-compatibility/2006" xmlns:p159="http://schemas.microsoft.com/office/powerpoint/2015/09/main">
+    <mc:Choice Requires="p159">
       <p:transition xmlns:p14="http://schemas.microsoft.com/office/powerpoint/2010/main" spd="slow" p14:dur="2000">
         <p159:morph option="byObject"/>
       </p:transition>
     </mc:Choice>
-    <mc:Fallback>
+    <mc:Fallback xmlns="">
       <p:transition spd="slow">
         <p:fade/>
       </p:transition>
@@ -10034,13 +10653,13 @@
   <p:clrMapOvr>
     <a:masterClrMapping/>
   </p:clrMapOvr>
-  <mc:AlternateContent xmlns:mc="http://schemas.openxmlformats.org/markup-compatibility/2006">
-    <mc:Choice xmlns:p159="http://schemas.microsoft.com/office/powerpoint/2015/09/main" Requires="p159">
+  <mc:AlternateContent xmlns:mc="http://schemas.openxmlformats.org/markup-compatibility/2006" xmlns:p159="http://schemas.microsoft.com/office/powerpoint/2015/09/main">
+    <mc:Choice Requires="p159">
       <p:transition xmlns:p14="http://schemas.microsoft.com/office/powerpoint/2010/main" spd="slow" p14:dur="2000">
         <p159:morph option="byObject"/>
       </p:transition>
     </mc:Choice>
-    <mc:Fallback>
+    <mc:Fallback xmlns="">
       <p:transition spd="slow">
         <p:fade/>
       </p:transition>
@@ -11384,13 +12003,13 @@
   <p:clrMapOvr>
     <a:masterClrMapping/>
   </p:clrMapOvr>
-  <mc:AlternateContent xmlns:mc="http://schemas.openxmlformats.org/markup-compatibility/2006">
-    <mc:Choice xmlns:p159="http://schemas.microsoft.com/office/powerpoint/2015/09/main" Requires="p159">
+  <mc:AlternateContent xmlns:mc="http://schemas.openxmlformats.org/markup-compatibility/2006" xmlns:p159="http://schemas.microsoft.com/office/powerpoint/2015/09/main">
+    <mc:Choice Requires="p159">
       <p:transition xmlns:p14="http://schemas.microsoft.com/office/powerpoint/2010/main" spd="slow" p14:dur="2000">
         <p159:morph option="byObject"/>
       </p:transition>
     </mc:Choice>
-    <mc:Fallback>
+    <mc:Fallback xmlns="">
       <p:transition spd="slow">
         <p:fade/>
       </p:transition>
@@ -12529,13 +13148,13 @@
   <p:clrMapOvr>
     <a:masterClrMapping/>
   </p:clrMapOvr>
-  <mc:AlternateContent xmlns:mc="http://schemas.openxmlformats.org/markup-compatibility/2006">
-    <mc:Choice xmlns:p159="http://schemas.microsoft.com/office/powerpoint/2015/09/main" Requires="p159">
+  <mc:AlternateContent xmlns:mc="http://schemas.openxmlformats.org/markup-compatibility/2006" xmlns:p159="http://schemas.microsoft.com/office/powerpoint/2015/09/main">
+    <mc:Choice Requires="p159">
       <p:transition xmlns:p14="http://schemas.microsoft.com/office/powerpoint/2010/main" spd="slow" p14:dur="2000">
         <p159:morph option="byObject"/>
       </p:transition>
     </mc:Choice>
-    <mc:Fallback>
+    <mc:Fallback xmlns="">
       <p:transition spd="slow">
         <p:fade/>
       </p:transition>
@@ -13465,13 +14084,13 @@
   <p:clrMapOvr>
     <a:masterClrMapping/>
   </p:clrMapOvr>
-  <mc:AlternateContent xmlns:mc="http://schemas.openxmlformats.org/markup-compatibility/2006">
-    <mc:Choice xmlns:p159="http://schemas.microsoft.com/office/powerpoint/2015/09/main" Requires="p159">
+  <mc:AlternateContent xmlns:mc="http://schemas.openxmlformats.org/markup-compatibility/2006" xmlns:p159="http://schemas.microsoft.com/office/powerpoint/2015/09/main">
+    <mc:Choice Requires="p159">
       <p:transition xmlns:p14="http://schemas.microsoft.com/office/powerpoint/2010/main" spd="slow" p14:dur="2000">
         <p159:morph option="byObject"/>
       </p:transition>
     </mc:Choice>
-    <mc:Fallback>
+    <mc:Fallback xmlns="">
       <p:transition spd="slow">
         <p:fade/>
       </p:transition>
@@ -14300,13 +14919,13 @@
   <p:clrMapOvr>
     <a:masterClrMapping/>
   </p:clrMapOvr>
-  <mc:AlternateContent xmlns:mc="http://schemas.openxmlformats.org/markup-compatibility/2006">
-    <mc:Choice xmlns:p159="http://schemas.microsoft.com/office/powerpoint/2015/09/main" Requires="p159">
+  <mc:AlternateContent xmlns:mc="http://schemas.openxmlformats.org/markup-compatibility/2006" xmlns:p159="http://schemas.microsoft.com/office/powerpoint/2015/09/main">
+    <mc:Choice Requires="p159">
       <p:transition xmlns:p14="http://schemas.microsoft.com/office/powerpoint/2010/main" spd="slow" p14:dur="2000">
         <p159:morph option="byObject"/>
       </p:transition>
     </mc:Choice>
-    <mc:Fallback>
+    <mc:Fallback xmlns="">
       <p:transition spd="slow">
         <p:fade/>
       </p:transition>
@@ -14990,13 +15609,13 @@
   <p:clrMapOvr>
     <a:masterClrMapping/>
   </p:clrMapOvr>
-  <mc:AlternateContent xmlns:mc="http://schemas.openxmlformats.org/markup-compatibility/2006">
-    <mc:Choice xmlns:p159="http://schemas.microsoft.com/office/powerpoint/2015/09/main" Requires="p159">
+  <mc:AlternateContent xmlns:mc="http://schemas.openxmlformats.org/markup-compatibility/2006" xmlns:p159="http://schemas.microsoft.com/office/powerpoint/2015/09/main">
+    <mc:Choice Requires="p159">
       <p:transition xmlns:p14="http://schemas.microsoft.com/office/powerpoint/2010/main" spd="slow" p14:dur="2000">
         <p159:morph option="byObject"/>
       </p:transition>
     </mc:Choice>
-    <mc:Fallback>
+    <mc:Fallback xmlns="">
       <p:transition spd="slow">
         <p:fade/>
       </p:transition>

--- a/AndreWarsaw_ABS_Presentation.pptx
+++ b/AndreWarsaw_ABS_Presentation.pptx
@@ -2,24 +2,25 @@
 <file path=ppt/presentation.xml><?xml version="1.0" encoding="utf-8"?>
 <p:presentation xmlns:a="http://schemas.openxmlformats.org/drawingml/2006/main" xmlns:r="http://schemas.openxmlformats.org/officeDocument/2006/relationships" xmlns:p="http://schemas.openxmlformats.org/presentationml/2006/main" saveSubsetFonts="1" autoCompressPictures="0">
   <p:sldMasterIdLst>
-    <p:sldMasterId id="2147483648" r:id="rId1"/>
+    <p:sldMasterId id="2147483648" r:id="rId4"/>
   </p:sldMasterIdLst>
   <p:notesMasterIdLst>
-    <p:notesMasterId r:id="rId14"/>
+    <p:notesMasterId r:id="rId18"/>
   </p:notesMasterIdLst>
   <p:sldIdLst>
-    <p:sldId id="256" r:id="rId2"/>
-    <p:sldId id="257" r:id="rId3"/>
-    <p:sldId id="258" r:id="rId4"/>
-    <p:sldId id="259" r:id="rId5"/>
-    <p:sldId id="260" r:id="rId6"/>
-    <p:sldId id="261" r:id="rId7"/>
-    <p:sldId id="262" r:id="rId8"/>
-    <p:sldId id="263" r:id="rId9"/>
-    <p:sldId id="264" r:id="rId10"/>
-    <p:sldId id="265" r:id="rId11"/>
-    <p:sldId id="266" r:id="rId12"/>
-    <p:sldId id="267" r:id="rId13"/>
+    <p:sldId id="256" r:id="rId5"/>
+    <p:sldId id="257" r:id="rId6"/>
+    <p:sldId id="258" r:id="rId7"/>
+    <p:sldId id="259" r:id="rId8"/>
+    <p:sldId id="260" r:id="rId9"/>
+    <p:sldId id="261" r:id="rId10"/>
+    <p:sldId id="262" r:id="rId11"/>
+    <p:sldId id="263" r:id="rId12"/>
+    <p:sldId id="264" r:id="rId13"/>
+    <p:sldId id="265" r:id="rId14"/>
+    <p:sldId id="266" r:id="rId15"/>
+    <p:sldId id="267" r:id="rId16"/>
+    <p:sldId id="268" r:id="rId17"/>
   </p:sldIdLst>
   <p:sldSz cx="12192000" cy="6858000"/>
   <p:notesSz cx="6858000" cy="9144000"/>
@@ -126,6 +127,14 @@
 </p:presentation>
 </file>
 
+<file path=ppt/revisionInfo.xml><?xml version="1.0" encoding="utf-8"?>
+<p1510:revInfo xmlns:a="http://schemas.openxmlformats.org/drawingml/2006/main" xmlns:r="http://schemas.openxmlformats.org/officeDocument/2006/relationships" xmlns:p1510="http://schemas.microsoft.com/office/powerpoint/2015/10/main">
+  <p1510:revLst>
+    <p1510:client id="{75D5128E-8CD1-B242-87B1-2A16467EDD8D}" v="2" dt="2025-12-17T23:12:36.506"/>
+  </p1510:revLst>
+</p1510:revInfo>
+</file>
+
 <file path=ppt/notesMasters/notesMaster1.xml><?xml version="1.0" encoding="utf-8"?>
 <p:notesMaster xmlns:a="http://schemas.openxmlformats.org/drawingml/2006/main" xmlns:r="http://schemas.openxmlformats.org/officeDocument/2006/relationships" xmlns:p="http://schemas.openxmlformats.org/presentationml/2006/main">
   <p:cSld>
@@ -208,7 +217,7 @@
           <a:p>
             <a:fld id="{35A9BE7E-21B2-394D-80EA-DD3C0CE12F78}" type="datetimeFigureOut">
               <a:rPr lang="en-US" smtClean="0"/>
-              <a:t>12/10/25</a:t>
+              <a:t>12/15/25</a:t>
             </a:fld>
             <a:endParaRPr lang="en-US"/>
           </a:p>
@@ -776,6 +785,114 @@
 </p:notes>
 </file>
 
+<file path=ppt/notesSlides/notesSlide12.xml><?xml version="1.0" encoding="utf-8"?>
+<p:notes xmlns:a="http://schemas.openxmlformats.org/drawingml/2006/main" xmlns:r="http://schemas.openxmlformats.org/officeDocument/2006/relationships" xmlns:p="http://schemas.openxmlformats.org/presentationml/2006/main">
+  <p:cSld>
+    <p:spTree>
+      <p:nvGrpSpPr>
+        <p:cNvPr id="1" name="">
+          <a:extLst>
+            <a:ext uri="{FF2B5EF4-FFF2-40B4-BE49-F238E27FC236}">
+              <a16:creationId xmlns:a16="http://schemas.microsoft.com/office/drawing/2014/main" id="{6246DF96-955B-AC18-DE94-B1EBAF5EE96E}"/>
+            </a:ext>
+          </a:extLst>
+        </p:cNvPr>
+        <p:cNvGrpSpPr/>
+        <p:nvPr/>
+      </p:nvGrpSpPr>
+      <p:grpSpPr>
+        <a:xfrm>
+          <a:off x="0" y="0"/>
+          <a:ext cx="0" cy="0"/>
+          <a:chOff x="0" y="0"/>
+          <a:chExt cx="0" cy="0"/>
+        </a:xfrm>
+      </p:grpSpPr>
+      <p:sp>
+        <p:nvSpPr>
+          <p:cNvPr id="2" name="Slide Image Placeholder 1">
+            <a:extLst>
+              <a:ext uri="{FF2B5EF4-FFF2-40B4-BE49-F238E27FC236}">
+                <a16:creationId xmlns:a16="http://schemas.microsoft.com/office/drawing/2014/main" id="{3C380CE9-6A56-1AA8-363E-427B66231C23}"/>
+              </a:ext>
+            </a:extLst>
+          </p:cNvPr>
+          <p:cNvSpPr>
+            <a:spLocks noGrp="1" noRot="1" noChangeAspect="1"/>
+          </p:cNvSpPr>
+          <p:nvPr>
+            <p:ph type="sldImg"/>
+          </p:nvPr>
+        </p:nvSpPr>
+        <p:spPr/>
+      </p:sp>
+      <p:sp>
+        <p:nvSpPr>
+          <p:cNvPr id="3" name="Notes Placeholder 2">
+            <a:extLst>
+              <a:ext uri="{FF2B5EF4-FFF2-40B4-BE49-F238E27FC236}">
+                <a16:creationId xmlns:a16="http://schemas.microsoft.com/office/drawing/2014/main" id="{EC5E50CC-EE2B-25D5-C840-FECEDE37DF30}"/>
+              </a:ext>
+            </a:extLst>
+          </p:cNvPr>
+          <p:cNvSpPr>
+            <a:spLocks noGrp="1"/>
+          </p:cNvSpPr>
+          <p:nvPr>
+            <p:ph type="body" idx="1"/>
+          </p:nvPr>
+        </p:nvSpPr>
+        <p:spPr/>
+        <p:txBody>
+          <a:bodyPr/>
+          <a:lstStyle/>
+          <a:p>
+            <a:endParaRPr lang="en-US" dirty="0"/>
+          </a:p>
+        </p:txBody>
+      </p:sp>
+      <p:sp>
+        <p:nvSpPr>
+          <p:cNvPr id="4" name="Slide Number Placeholder 3">
+            <a:extLst>
+              <a:ext uri="{FF2B5EF4-FFF2-40B4-BE49-F238E27FC236}">
+                <a16:creationId xmlns:a16="http://schemas.microsoft.com/office/drawing/2014/main" id="{D6A894BA-B62E-DB55-0067-844AEA1339C6}"/>
+              </a:ext>
+            </a:extLst>
+          </p:cNvPr>
+          <p:cNvSpPr>
+            <a:spLocks noGrp="1"/>
+          </p:cNvSpPr>
+          <p:nvPr>
+            <p:ph type="sldNum" sz="quarter" idx="5"/>
+          </p:nvPr>
+        </p:nvSpPr>
+        <p:spPr/>
+        <p:txBody>
+          <a:bodyPr/>
+          <a:lstStyle/>
+          <a:p>
+            <a:fld id="{8FA9E90D-8FD9-4946-B96D-09C040477199}" type="slidenum">
+              <a:rPr lang="en-US" smtClean="0"/>
+              <a:t>13</a:t>
+            </a:fld>
+            <a:endParaRPr lang="en-US"/>
+          </a:p>
+        </p:txBody>
+      </p:sp>
+    </p:spTree>
+    <p:extLst>
+      <p:ext uri="{BB962C8B-B14F-4D97-AF65-F5344CB8AC3E}">
+        <p14:creationId xmlns:p14="http://schemas.microsoft.com/office/powerpoint/2010/main" val="2960352597"/>
+      </p:ext>
+    </p:extLst>
+  </p:cSld>
+  <p:clrMapOvr>
+    <a:masterClrMapping/>
+  </p:clrMapOvr>
+</p:notes>
+</file>
+
 <file path=ppt/notesSlides/notesSlide2.xml><?xml version="1.0" encoding="utf-8"?>
 <p:notes xmlns:a="http://schemas.openxmlformats.org/drawingml/2006/main" xmlns:r="http://schemas.openxmlformats.org/officeDocument/2006/relationships" xmlns:p="http://schemas.openxmlformats.org/presentationml/2006/main">
   <p:cSld>
@@ -1789,7 +1906,7 @@
           <a:p>
             <a:fld id="{9E554AB3-FD2C-484A-88CE-2EEEC0C7C8A1}" type="datetimeFigureOut">
               <a:rPr lang="en-US" smtClean="0"/>
-              <a:t>12/10/25</a:t>
+              <a:t>12/15/25</a:t>
             </a:fld>
             <a:endParaRPr lang="en-US"/>
           </a:p>
@@ -1989,7 +2106,7 @@
           <a:p>
             <a:fld id="{9E554AB3-FD2C-484A-88CE-2EEEC0C7C8A1}" type="datetimeFigureOut">
               <a:rPr lang="en-US" smtClean="0"/>
-              <a:t>12/10/25</a:t>
+              <a:t>12/15/25</a:t>
             </a:fld>
             <a:endParaRPr lang="en-US"/>
           </a:p>
@@ -2199,7 +2316,7 @@
           <a:p>
             <a:fld id="{9E554AB3-FD2C-484A-88CE-2EEEC0C7C8A1}" type="datetimeFigureOut">
               <a:rPr lang="en-US" smtClean="0"/>
-              <a:t>12/10/25</a:t>
+              <a:t>12/15/25</a:t>
             </a:fld>
             <a:endParaRPr lang="en-US"/>
           </a:p>
@@ -2399,7 +2516,7 @@
           <a:p>
             <a:fld id="{9E554AB3-FD2C-484A-88CE-2EEEC0C7C8A1}" type="datetimeFigureOut">
               <a:rPr lang="en-US" smtClean="0"/>
-              <a:t>12/10/25</a:t>
+              <a:t>12/15/25</a:t>
             </a:fld>
             <a:endParaRPr lang="en-US"/>
           </a:p>
@@ -2675,7 +2792,7 @@
           <a:p>
             <a:fld id="{9E554AB3-FD2C-484A-88CE-2EEEC0C7C8A1}" type="datetimeFigureOut">
               <a:rPr lang="en-US" smtClean="0"/>
-              <a:t>12/10/25</a:t>
+              <a:t>12/15/25</a:t>
             </a:fld>
             <a:endParaRPr lang="en-US"/>
           </a:p>
@@ -2943,7 +3060,7 @@
           <a:p>
             <a:fld id="{9E554AB3-FD2C-484A-88CE-2EEEC0C7C8A1}" type="datetimeFigureOut">
               <a:rPr lang="en-US" smtClean="0"/>
-              <a:t>12/10/25</a:t>
+              <a:t>12/15/25</a:t>
             </a:fld>
             <a:endParaRPr lang="en-US"/>
           </a:p>
@@ -3358,7 +3475,7 @@
           <a:p>
             <a:fld id="{9E554AB3-FD2C-484A-88CE-2EEEC0C7C8A1}" type="datetimeFigureOut">
               <a:rPr lang="en-US" smtClean="0"/>
-              <a:t>12/10/25</a:t>
+              <a:t>12/15/25</a:t>
             </a:fld>
             <a:endParaRPr lang="en-US"/>
           </a:p>
@@ -3500,7 +3617,7 @@
           <a:p>
             <a:fld id="{9E554AB3-FD2C-484A-88CE-2EEEC0C7C8A1}" type="datetimeFigureOut">
               <a:rPr lang="en-US" smtClean="0"/>
-              <a:t>12/10/25</a:t>
+              <a:t>12/15/25</a:t>
             </a:fld>
             <a:endParaRPr lang="en-US"/>
           </a:p>
@@ -3613,7 +3730,7 @@
           <a:p>
             <a:fld id="{9E554AB3-FD2C-484A-88CE-2EEEC0C7C8A1}" type="datetimeFigureOut">
               <a:rPr lang="en-US" smtClean="0"/>
-              <a:t>12/10/25</a:t>
+              <a:t>12/15/25</a:t>
             </a:fld>
             <a:endParaRPr lang="en-US"/>
           </a:p>
@@ -3926,7 +4043,7 @@
           <a:p>
             <a:fld id="{9E554AB3-FD2C-484A-88CE-2EEEC0C7C8A1}" type="datetimeFigureOut">
               <a:rPr lang="en-US" smtClean="0"/>
-              <a:t>12/10/25</a:t>
+              <a:t>12/15/25</a:t>
             </a:fld>
             <a:endParaRPr lang="en-US"/>
           </a:p>
@@ -4215,7 +4332,7 @@
           <a:p>
             <a:fld id="{9E554AB3-FD2C-484A-88CE-2EEEC0C7C8A1}" type="datetimeFigureOut">
               <a:rPr lang="en-US" smtClean="0"/>
-              <a:t>12/10/25</a:t>
+              <a:t>12/15/25</a:t>
             </a:fld>
             <a:endParaRPr lang="en-US"/>
           </a:p>
@@ -4458,7 +4575,7 @@
           <a:p>
             <a:fld id="{9E554AB3-FD2C-484A-88CE-2EEEC0C7C8A1}" type="datetimeFigureOut">
               <a:rPr lang="en-US" smtClean="0"/>
-              <a:t>12/10/25</a:t>
+              <a:t>12/15/25</a:t>
             </a:fld>
             <a:endParaRPr lang="en-US"/>
           </a:p>
@@ -6321,7 +6438,7 @@
         <p:spPr>
           <a:xfrm>
             <a:off x="7061982" y="4712677"/>
-            <a:ext cx="3094892" cy="400110"/>
+            <a:ext cx="3094892" cy="1323439"/>
           </a:xfrm>
           <a:prstGeom prst="rect">
             <a:avLst/>
@@ -6344,6 +6461,48 @@
               </a:rPr>
               <a:t>Andre Warsaw</a:t>
             </a:r>
+          </a:p>
+          <a:p>
+            <a:pPr algn="ctr"/>
+            <a:r>
+              <a:rPr lang="en-US" sz="2000" dirty="0">
+                <a:solidFill>
+                  <a:schemeClr val="bg1"/>
+                </a:solidFill>
+                <a:latin typeface="Montserrat Medium" pitchFamily="2" charset="77"/>
+              </a:rPr>
+              <a:t>Data 205</a:t>
+            </a:r>
+          </a:p>
+          <a:p>
+            <a:pPr algn="ctr"/>
+            <a:r>
+              <a:rPr lang="en-US" sz="2000" dirty="0">
+                <a:solidFill>
+                  <a:schemeClr val="bg1"/>
+                </a:solidFill>
+                <a:latin typeface="Montserrat Medium" pitchFamily="2" charset="77"/>
+              </a:rPr>
+              <a:t>Prof Lori Perine</a:t>
+            </a:r>
+          </a:p>
+          <a:p>
+            <a:pPr algn="ctr"/>
+            <a:r>
+              <a:rPr lang="en-US" sz="2000">
+                <a:solidFill>
+                  <a:schemeClr val="bg1"/>
+                </a:solidFill>
+                <a:latin typeface="Montserrat Medium" pitchFamily="2" charset="77"/>
+              </a:rPr>
+              <a:t>CRN 21844</a:t>
+            </a:r>
+            <a:endParaRPr lang="en-US" sz="2000" dirty="0">
+              <a:solidFill>
+                <a:schemeClr val="bg1"/>
+              </a:solidFill>
+              <a:latin typeface="Montserrat Medium" pitchFamily="2" charset="77"/>
+            </a:endParaRPr>
           </a:p>
         </p:txBody>
       </p:sp>
@@ -6686,10 +6845,10 @@
       </p:grpSp>
       <p:sp>
         <p:nvSpPr>
-          <p:cNvPr id="2" name="TextBox 1">
+          <p:cNvPr id="4" name="TextBox 3">
             <a:extLst>
               <a:ext uri="{FF2B5EF4-FFF2-40B4-BE49-F238E27FC236}">
-                <a16:creationId xmlns:a16="http://schemas.microsoft.com/office/drawing/2014/main" id="{339E25F9-25B8-D10C-3BB7-3664A9C7C2B6}"/>
+                <a16:creationId xmlns:a16="http://schemas.microsoft.com/office/drawing/2014/main" id="{53B36E20-13AB-1F8F-CF32-7E83DCC42908}"/>
               </a:ext>
             </a:extLst>
           </p:cNvPr>
@@ -6698,8 +6857,8 @@
         </p:nvSpPr>
         <p:spPr>
           <a:xfrm>
-            <a:off x="3075305" y="258901"/>
-            <a:ext cx="4600135" cy="6063198"/>
+            <a:off x="5088054" y="1012954"/>
+            <a:ext cx="4600135" cy="4832092"/>
           </a:xfrm>
           <a:prstGeom prst="rect">
             <a:avLst/>
@@ -6712,17 +6871,6 @@
           </a:bodyPr>
           <a:lstStyle/>
           <a:p>
-            <a:r>
-              <a:rPr lang="en-US" dirty="0">
-                <a:solidFill>
-                  <a:schemeClr val="bg1"/>
-                </a:solidFill>
-                <a:latin typeface="Montserrat" pitchFamily="2" charset="77"/>
-              </a:rPr>
-              <a:t>I realized that my current ranking system for the priority of items is flawed. This becomes more apparent when creating a quota that the high priority items will never be able to fulfill for any store due to the limitations of the quantity. To resolve this, I would:</a:t>
-            </a:r>
-          </a:p>
-          <a:p>
             <a:endParaRPr lang="en-US" dirty="0">
               <a:solidFill>
                 <a:schemeClr val="bg1"/>
@@ -6742,7 +6890,22 @@
                 </a:solidFill>
                 <a:latin typeface="Montserrat" pitchFamily="2" charset="77"/>
               </a:rPr>
-              <a:t>Change the definition of high priority items by changing it from the top 25% performing items organization wide to either top 33%, top 40%, or even consider letting a random forest model help with predicting the priority of items based on performance (which personally I'd recommend the most).</a:t>
+              <a:t>Recalibrate the high priority variable and quotas I have created for all store tiers to a more realistic amount</a:t>
+            </a:r>
+          </a:p>
+          <a:p>
+            <a:pPr marL="742950" lvl="1" indent="-285750">
+              <a:buFont typeface="Arial" panose="020B0604020202020204" pitchFamily="34" charset="0"/>
+              <a:buChar char="•"/>
+            </a:pPr>
+            <a:r>
+              <a:rPr lang="en-US" sz="1600" dirty="0">
+                <a:solidFill>
+                  <a:schemeClr val="bg1"/>
+                </a:solidFill>
+                <a:latin typeface="Montserrat" pitchFamily="2" charset="77"/>
+              </a:rPr>
+              <a:t>High Priority being top 33%, top 40% or potentially getting the model to assist with determining the parameters</a:t>
             </a:r>
           </a:p>
           <a:p>
@@ -6757,7 +6920,22 @@
                 </a:solidFill>
                 <a:latin typeface="Montserrat" pitchFamily="2" charset="77"/>
               </a:rPr>
-              <a:t>Re calibrate the quotas I have created for all store tiers so that the amount of high priority items offer a more realistic percentage for each, making it more possible to fulfill.</a:t>
+              <a:t>Include quantity counts for each recommended item instead of only mentioning items that should be stocked</a:t>
+            </a:r>
+          </a:p>
+          <a:p>
+            <a:pPr marL="285750" indent="-285750">
+              <a:buFont typeface="Arial" panose="020B0604020202020204" pitchFamily="34" charset="0"/>
+              <a:buChar char="•"/>
+            </a:pPr>
+            <a:r>
+              <a:rPr lang="en-US" sz="1600" dirty="0">
+                <a:solidFill>
+                  <a:schemeClr val="bg1"/>
+                </a:solidFill>
+                <a:latin typeface="Montserrat" pitchFamily="2" charset="77"/>
+              </a:rPr>
+              <a:t>Adjust the model to observe data on a shorter cycle that is both more accurate and beneficial to ABS team, including either a monthly cycle or a timeframe ABS currently performs inventory fulfillment (if not monthly)</a:t>
             </a:r>
           </a:p>
           <a:p>
@@ -6767,111 +6945,6 @@
               </a:solidFill>
               <a:latin typeface="Montserrat" pitchFamily="2" charset="77"/>
             </a:endParaRPr>
-          </a:p>
-        </p:txBody>
-      </p:sp>
-      <p:sp>
-        <p:nvSpPr>
-          <p:cNvPr id="3" name="TextBox 2">
-            <a:extLst>
-              <a:ext uri="{FF2B5EF4-FFF2-40B4-BE49-F238E27FC236}">
-                <a16:creationId xmlns:a16="http://schemas.microsoft.com/office/drawing/2014/main" id="{049785EA-EF07-F491-A0B5-6421B7BF8D22}"/>
-              </a:ext>
-            </a:extLst>
-          </p:cNvPr>
-          <p:cNvSpPr txBox="1"/>
-          <p:nvPr/>
-        </p:nvSpPr>
-        <p:spPr>
-          <a:xfrm>
-            <a:off x="7591865" y="412789"/>
-            <a:ext cx="4600135" cy="5386090"/>
-          </a:xfrm>
-          <a:prstGeom prst="rect">
-            <a:avLst/>
-          </a:prstGeom>
-          <a:noFill/>
-        </p:spPr>
-        <p:txBody>
-          <a:bodyPr wrap="square" rtlCol="0">
-            <a:spAutoFit/>
-          </a:bodyPr>
-          <a:lstStyle/>
-          <a:p>
-            <a:r>
-              <a:rPr lang="en-US" dirty="0">
-                <a:solidFill>
-                  <a:schemeClr val="bg1"/>
-                </a:solidFill>
-                <a:latin typeface="Montserrat" pitchFamily="2" charset="77"/>
-              </a:rPr>
-              <a:t>Additional adjustments I would make include:</a:t>
-            </a:r>
-          </a:p>
-          <a:p>
-            <a:pPr marL="285750" indent="-285750">
-              <a:buFont typeface="Arial" panose="020B0604020202020204" pitchFamily="34" charset="0"/>
-              <a:buChar char="•"/>
-            </a:pPr>
-            <a:endParaRPr lang="en-US" dirty="0">
-              <a:solidFill>
-                <a:schemeClr val="bg1"/>
-              </a:solidFill>
-              <a:latin typeface="Montserrat" pitchFamily="2" charset="77"/>
-            </a:endParaRPr>
-          </a:p>
-          <a:p>
-            <a:endParaRPr lang="en-US" dirty="0">
-              <a:solidFill>
-                <a:schemeClr val="bg1"/>
-              </a:solidFill>
-              <a:latin typeface="Montserrat" pitchFamily="2" charset="77"/>
-            </a:endParaRPr>
-          </a:p>
-          <a:p>
-            <a:pPr marL="285750" indent="-285750">
-              <a:buFont typeface="Arial" panose="020B0604020202020204" pitchFamily="34" charset="0"/>
-              <a:buChar char="•"/>
-            </a:pPr>
-            <a:r>
-              <a:rPr lang="en-US" sz="1600" dirty="0">
-                <a:solidFill>
-                  <a:schemeClr val="bg1"/>
-                </a:solidFill>
-                <a:latin typeface="Montserrat" pitchFamily="2" charset="77"/>
-              </a:rPr>
-              <a:t>Include the quantity of an item I would recommend to each individual store, using the random forest model to assist with predicting the best amount based on SKU limitations</a:t>
-            </a:r>
-          </a:p>
-          <a:p>
-            <a:pPr marL="285750" indent="-285750">
-              <a:buFont typeface="Arial" panose="020B0604020202020204" pitchFamily="34" charset="0"/>
-              <a:buChar char="•"/>
-            </a:pPr>
-            <a:r>
-              <a:rPr lang="en-US" sz="1600" dirty="0">
-                <a:solidFill>
-                  <a:schemeClr val="bg1"/>
-                </a:solidFill>
-                <a:latin typeface="Montserrat" pitchFamily="2" charset="77"/>
-              </a:rPr>
-              <a:t>Adjust the method that the model observes the data from a yearly perspective to a monthly perspective to get a more accurate perspective on inventory fulfillment.</a:t>
-            </a:r>
-          </a:p>
-          <a:p>
-            <a:pPr marL="285750" indent="-285750">
-              <a:buFont typeface="Arial" panose="020B0604020202020204" pitchFamily="34" charset="0"/>
-              <a:buChar char="•"/>
-            </a:pPr>
-            <a:r>
-              <a:rPr lang="en-US" sz="1600" dirty="0">
-                <a:solidFill>
-                  <a:schemeClr val="bg1"/>
-                </a:solidFill>
-                <a:latin typeface="Montserrat" pitchFamily="2" charset="77"/>
-              </a:rPr>
-              <a:t>Possibly even make it so that the random forest model would produce a new recommended list before every inventory fulfillment cycle so that each individual store could determine what it would need in their inventory based on inventory performance.</a:t>
-            </a:r>
           </a:p>
         </p:txBody>
       </p:sp>
@@ -7252,6 +7325,103 @@
       </p:transition>
     </mc:Choice>
     <mc:Fallback xmlns="">
+      <p:transition spd="slow">
+        <p:fade/>
+      </p:transition>
+    </mc:Fallback>
+  </mc:AlternateContent>
+</p:sld>
+</file>
+
+<file path=ppt/slides/slide13.xml><?xml version="1.0" encoding="utf-8"?>
+<p:sld xmlns:a="http://schemas.openxmlformats.org/drawingml/2006/main" xmlns:r="http://schemas.openxmlformats.org/officeDocument/2006/relationships" xmlns:p="http://schemas.openxmlformats.org/presentationml/2006/main">
+  <p:cSld>
+    <p:bg>
+      <p:bgPr>
+        <a:solidFill>
+          <a:srgbClr val="920F00"/>
+        </a:solidFill>
+        <a:effectLst/>
+      </p:bgPr>
+    </p:bg>
+    <p:spTree>
+      <p:nvGrpSpPr>
+        <p:cNvPr id="1" name="">
+          <a:extLst>
+            <a:ext uri="{FF2B5EF4-FFF2-40B4-BE49-F238E27FC236}">
+              <a16:creationId xmlns:a16="http://schemas.microsoft.com/office/drawing/2014/main" id="{39ED8BBB-E61A-0D94-7CEF-37240FA7DAE2}"/>
+            </a:ext>
+          </a:extLst>
+        </p:cNvPr>
+        <p:cNvGrpSpPr/>
+        <p:nvPr/>
+      </p:nvGrpSpPr>
+      <p:grpSpPr>
+        <a:xfrm>
+          <a:off x="0" y="0"/>
+          <a:ext cx="0" cy="0"/>
+          <a:chOff x="0" y="0"/>
+          <a:chExt cx="0" cy="0"/>
+        </a:xfrm>
+      </p:grpSpPr>
+      <p:sp>
+        <p:nvSpPr>
+          <p:cNvPr id="4" name="TextBox 3">
+            <a:extLst>
+              <a:ext uri="{FF2B5EF4-FFF2-40B4-BE49-F238E27FC236}">
+                <a16:creationId xmlns:a16="http://schemas.microsoft.com/office/drawing/2014/main" id="{9F281823-D9E9-09B4-20B2-97D6B794B9F8}"/>
+              </a:ext>
+            </a:extLst>
+          </p:cNvPr>
+          <p:cNvSpPr txBox="1"/>
+          <p:nvPr/>
+        </p:nvSpPr>
+        <p:spPr>
+          <a:xfrm>
+            <a:off x="3380935" y="3136612"/>
+            <a:ext cx="5430129" cy="584775"/>
+          </a:xfrm>
+          <a:prstGeom prst="rect">
+            <a:avLst/>
+          </a:prstGeom>
+          <a:noFill/>
+        </p:spPr>
+        <p:txBody>
+          <a:bodyPr wrap="square" rtlCol="0">
+            <a:spAutoFit/>
+          </a:bodyPr>
+          <a:lstStyle/>
+          <a:p>
+            <a:pPr algn="ctr"/>
+            <a:r>
+              <a:rPr lang="en-US" sz="3200" b="1" dirty="0">
+                <a:solidFill>
+                  <a:schemeClr val="bg1"/>
+                </a:solidFill>
+                <a:latin typeface="Montserrat Black" pitchFamily="2" charset="77"/>
+              </a:rPr>
+              <a:t>THANK YOU!</a:t>
+            </a:r>
+          </a:p>
+        </p:txBody>
+      </p:sp>
+    </p:spTree>
+    <p:extLst>
+      <p:ext uri="{BB962C8B-B14F-4D97-AF65-F5344CB8AC3E}">
+        <p14:creationId xmlns:p14="http://schemas.microsoft.com/office/powerpoint/2010/main" val="2875539583"/>
+      </p:ext>
+    </p:extLst>
+  </p:cSld>
+  <p:clrMapOvr>
+    <a:masterClrMapping/>
+  </p:clrMapOvr>
+  <mc:AlternateContent xmlns:mc="http://schemas.openxmlformats.org/markup-compatibility/2006">
+    <mc:Choice xmlns:p159="http://schemas.microsoft.com/office/powerpoint/2015/09/main" Requires="p159">
+      <p:transition xmlns:p14="http://schemas.microsoft.com/office/powerpoint/2010/main" spd="slow" p14:dur="2000">
+        <p159:morph option="byObject"/>
+      </p:transition>
+    </mc:Choice>
+    <mc:Fallback>
       <p:transition spd="slow">
         <p:fade/>
       </p:transition>
@@ -8367,7 +8537,7 @@
         </p:nvSpPr>
         <p:spPr>
           <a:xfrm>
-            <a:off x="1945240" y="2828833"/>
+            <a:off x="1919554" y="1984363"/>
             <a:ext cx="8352890" cy="1200329"/>
           </a:xfrm>
           <a:prstGeom prst="rect">
@@ -8390,6 +8560,47 @@
                 <a:latin typeface="Montserrat" pitchFamily="2" charset="77"/>
               </a:rPr>
               <a:t>To help the Montgomery County Alcohol and Beverage Services team with optimizing their method of observing buying patterns between all 27 locations. The final goal is to help ABS save money by using research and analysis to determine best practices for future operations.</a:t>
+            </a:r>
+          </a:p>
+        </p:txBody>
+      </p:sp>
+      <p:sp>
+        <p:nvSpPr>
+          <p:cNvPr id="10" name="TextBox 9">
+            <a:extLst>
+              <a:ext uri="{FF2B5EF4-FFF2-40B4-BE49-F238E27FC236}">
+                <a16:creationId xmlns:a16="http://schemas.microsoft.com/office/drawing/2014/main" id="{21F48A47-D9F9-30F1-C7A9-1C1FEACF3583}"/>
+              </a:ext>
+            </a:extLst>
+          </p:cNvPr>
+          <p:cNvSpPr txBox="1"/>
+          <p:nvPr/>
+        </p:nvSpPr>
+        <p:spPr>
+          <a:xfrm>
+            <a:off x="1919554" y="4098896"/>
+            <a:ext cx="8352890" cy="923330"/>
+          </a:xfrm>
+          <a:prstGeom prst="rect">
+            <a:avLst/>
+          </a:prstGeom>
+          <a:noFill/>
+        </p:spPr>
+        <p:txBody>
+          <a:bodyPr wrap="square" rtlCol="0">
+            <a:spAutoFit/>
+          </a:bodyPr>
+          <a:lstStyle/>
+          <a:p>
+            <a:pPr algn="ctr"/>
+            <a:r>
+              <a:rPr lang="en-US" dirty="0">
+                <a:solidFill>
+                  <a:schemeClr val="bg1"/>
+                </a:solidFill>
+                <a:latin typeface="Montserrat" pitchFamily="2" charset="77"/>
+              </a:rPr>
+              <a:t>This will be accomplished by using transaction data provided by ABS along with using R Studio exclusively with no more than 5 libraries for all operations </a:t>
             </a:r>
           </a:p>
         </p:txBody>
@@ -10550,7 +10761,7 @@
         </p:nvSpPr>
         <p:spPr>
           <a:xfrm>
-            <a:off x="3723203" y="1984365"/>
+            <a:off x="4055293" y="1375566"/>
             <a:ext cx="7963347" cy="1477328"/>
           </a:xfrm>
           <a:prstGeom prst="rect">
@@ -10564,6 +10775,7 @@
           </a:bodyPr>
           <a:lstStyle/>
           <a:p>
+            <a:pPr algn="ctr"/>
             <a:r>
               <a:rPr lang="en-US" dirty="0">
                 <a:solidFill>
@@ -10575,6 +10787,7 @@
             </a:r>
           </a:p>
           <a:p>
+            <a:pPr algn="ctr"/>
             <a:endParaRPr lang="en-US" dirty="0">
               <a:solidFill>
                 <a:schemeClr val="bg1"/>
@@ -10583,6 +10796,7 @@
             </a:endParaRPr>
           </a:p>
           <a:p>
+            <a:pPr algn="ctr"/>
             <a:r>
               <a:rPr lang="en-US" dirty="0">
                 <a:solidFill>
@@ -10617,7 +10831,7 @@
         </p:nvSpPr>
         <p:spPr>
           <a:xfrm>
-            <a:off x="3746165" y="3827303"/>
+            <a:off x="4127576" y="5214265"/>
             <a:ext cx="7963347" cy="646331"/>
           </a:xfrm>
           <a:prstGeom prst="rect">
@@ -10631,6 +10845,7 @@
           </a:bodyPr>
           <a:lstStyle/>
           <a:p>
+            <a:pPr algn="ctr"/>
             <a:r>
               <a:rPr lang="en-US" dirty="0">
                 <a:solidFill>
@@ -10643,6 +10858,666 @@
           </a:p>
         </p:txBody>
       </p:sp>
+      <p:graphicFrame>
+        <p:nvGraphicFramePr>
+          <p:cNvPr id="12" name="Table 11">
+            <a:extLst>
+              <a:ext uri="{FF2B5EF4-FFF2-40B4-BE49-F238E27FC236}">
+                <a16:creationId xmlns:a16="http://schemas.microsoft.com/office/drawing/2014/main" id="{9F00FA30-1C0C-75B1-BE03-91C406A7B512}"/>
+              </a:ext>
+            </a:extLst>
+          </p:cNvPr>
+          <p:cNvGraphicFramePr>
+            <a:graphicFrameLocks noGrp="1"/>
+          </p:cNvGraphicFramePr>
+          <p:nvPr>
+            <p:extLst>
+              <p:ext uri="{D42A27DB-BD31-4B8C-83A1-F6EECF244321}">
+                <p14:modId xmlns:p14="http://schemas.microsoft.com/office/powerpoint/2010/main" val="3058917026"/>
+              </p:ext>
+            </p:extLst>
+          </p:nvPr>
+        </p:nvGraphicFramePr>
+        <p:xfrm>
+          <a:off x="5063896" y="2900346"/>
+          <a:ext cx="5946140" cy="1915249"/>
+        </p:xfrm>
+        <a:graphic>
+          <a:graphicData uri="http://schemas.openxmlformats.org/drawingml/2006/table">
+            <a:tbl>
+              <a:tblPr firstRow="1" firstCol="1" bandRow="1">
+                <a:tableStyleId>{5C22544A-7EE6-4342-B048-85BDC9FD1C3A}</a:tableStyleId>
+              </a:tblPr>
+              <a:tblGrid>
+                <a:gridCol w="1486535">
+                  <a:extLst>
+                    <a:ext uri="{9D8B030D-6E8A-4147-A177-3AD203B41FA5}">
+                      <a16:colId xmlns:a16="http://schemas.microsoft.com/office/drawing/2014/main" val="2520278496"/>
+                    </a:ext>
+                  </a:extLst>
+                </a:gridCol>
+                <a:gridCol w="1486535">
+                  <a:extLst>
+                    <a:ext uri="{9D8B030D-6E8A-4147-A177-3AD203B41FA5}">
+                      <a16:colId xmlns:a16="http://schemas.microsoft.com/office/drawing/2014/main" val="1661590498"/>
+                    </a:ext>
+                  </a:extLst>
+                </a:gridCol>
+                <a:gridCol w="1486535">
+                  <a:extLst>
+                    <a:ext uri="{9D8B030D-6E8A-4147-A177-3AD203B41FA5}">
+                      <a16:colId xmlns:a16="http://schemas.microsoft.com/office/drawing/2014/main" val="688361683"/>
+                    </a:ext>
+                  </a:extLst>
+                </a:gridCol>
+                <a:gridCol w="1486535">
+                  <a:extLst>
+                    <a:ext uri="{9D8B030D-6E8A-4147-A177-3AD203B41FA5}">
+                      <a16:colId xmlns:a16="http://schemas.microsoft.com/office/drawing/2014/main" val="282661079"/>
+                    </a:ext>
+                  </a:extLst>
+                </a:gridCol>
+              </a:tblGrid>
+              <a:tr h="535330">
+                <a:tc>
+                  <a:txBody>
+                    <a:bodyPr/>
+                    <a:lstStyle/>
+                    <a:p>
+                      <a:pPr algn="ctr">
+                        <a:lnSpc>
+                          <a:spcPct val="115000"/>
+                        </a:lnSpc>
+                        <a:spcAft>
+                          <a:spcPts val="800"/>
+                        </a:spcAft>
+                        <a:buNone/>
+                      </a:pPr>
+                      <a:r>
+                        <a:rPr lang="en-US" sz="1200" kern="100" dirty="0">
+                          <a:effectLst/>
+                        </a:rPr>
+                        <a:t>Store Size Identifier</a:t>
+                      </a:r>
+                      <a:endParaRPr lang="en-GB" sz="1200" kern="100" dirty="0">
+                        <a:effectLst/>
+                        <a:latin typeface="Aptos" panose="020B0004020202020204" pitchFamily="34" charset="0"/>
+                        <a:ea typeface="Aptos" panose="020B0004020202020204" pitchFamily="34" charset="0"/>
+                        <a:cs typeface="Times New Roman" panose="02020603050405020304" pitchFamily="18" charset="0"/>
+                      </a:endParaRPr>
+                    </a:p>
+                  </a:txBody>
+                  <a:tcPr marL="68580" marR="68580" marT="0" marB="0">
+                    <a:solidFill>
+                      <a:srgbClr val="C00000"/>
+                    </a:solidFill>
+                  </a:tcPr>
+                </a:tc>
+                <a:tc>
+                  <a:txBody>
+                    <a:bodyPr/>
+                    <a:lstStyle/>
+                    <a:p>
+                      <a:pPr algn="ctr">
+                        <a:lnSpc>
+                          <a:spcPct val="115000"/>
+                        </a:lnSpc>
+                        <a:spcAft>
+                          <a:spcPts val="800"/>
+                        </a:spcAft>
+                        <a:buNone/>
+                      </a:pPr>
+                      <a:r>
+                        <a:rPr lang="en-US" sz="1200" kern="100" dirty="0">
+                          <a:effectLst/>
+                        </a:rPr>
+                        <a:t>Definition</a:t>
+                      </a:r>
+                      <a:endParaRPr lang="en-GB" sz="1200" kern="100" dirty="0">
+                        <a:effectLst/>
+                        <a:latin typeface="Aptos" panose="020B0004020202020204" pitchFamily="34" charset="0"/>
+                        <a:ea typeface="Aptos" panose="020B0004020202020204" pitchFamily="34" charset="0"/>
+                        <a:cs typeface="Times New Roman" panose="02020603050405020304" pitchFamily="18" charset="0"/>
+                      </a:endParaRPr>
+                    </a:p>
+                  </a:txBody>
+                  <a:tcPr marL="68580" marR="68580" marT="0" marB="0">
+                    <a:solidFill>
+                      <a:srgbClr val="C00000"/>
+                    </a:solidFill>
+                  </a:tcPr>
+                </a:tc>
+                <a:tc>
+                  <a:txBody>
+                    <a:bodyPr/>
+                    <a:lstStyle/>
+                    <a:p>
+                      <a:pPr algn="ctr">
+                        <a:lnSpc>
+                          <a:spcPct val="115000"/>
+                        </a:lnSpc>
+                        <a:spcAft>
+                          <a:spcPts val="800"/>
+                        </a:spcAft>
+                        <a:buNone/>
+                      </a:pPr>
+                      <a:r>
+                        <a:rPr lang="en-US" sz="1200" kern="100" dirty="0">
+                          <a:effectLst/>
+                        </a:rPr>
+                        <a:t>Store Tier Identifier</a:t>
+                      </a:r>
+                      <a:endParaRPr lang="en-GB" sz="1200" kern="100" dirty="0">
+                        <a:effectLst/>
+                        <a:latin typeface="Aptos" panose="020B0004020202020204" pitchFamily="34" charset="0"/>
+                        <a:ea typeface="Aptos" panose="020B0004020202020204" pitchFamily="34" charset="0"/>
+                        <a:cs typeface="Times New Roman" panose="02020603050405020304" pitchFamily="18" charset="0"/>
+                      </a:endParaRPr>
+                    </a:p>
+                  </a:txBody>
+                  <a:tcPr marL="68580" marR="68580" marT="0" marB="0">
+                    <a:solidFill>
+                      <a:srgbClr val="C00000"/>
+                    </a:solidFill>
+                  </a:tcPr>
+                </a:tc>
+                <a:tc>
+                  <a:txBody>
+                    <a:bodyPr/>
+                    <a:lstStyle/>
+                    <a:p>
+                      <a:pPr algn="ctr">
+                        <a:lnSpc>
+                          <a:spcPct val="115000"/>
+                        </a:lnSpc>
+                        <a:spcAft>
+                          <a:spcPts val="800"/>
+                        </a:spcAft>
+                        <a:buNone/>
+                      </a:pPr>
+                      <a:r>
+                        <a:rPr lang="en-US" sz="1200" kern="100" dirty="0">
+                          <a:effectLst/>
+                        </a:rPr>
+                        <a:t>Definition</a:t>
+                      </a:r>
+                      <a:endParaRPr lang="en-GB" sz="1200" kern="100" dirty="0">
+                        <a:effectLst/>
+                        <a:latin typeface="Aptos" panose="020B0004020202020204" pitchFamily="34" charset="0"/>
+                        <a:ea typeface="Aptos" panose="020B0004020202020204" pitchFamily="34" charset="0"/>
+                        <a:cs typeface="Times New Roman" panose="02020603050405020304" pitchFamily="18" charset="0"/>
+                      </a:endParaRPr>
+                    </a:p>
+                  </a:txBody>
+                  <a:tcPr marL="68580" marR="68580" marT="0" marB="0">
+                    <a:solidFill>
+                      <a:srgbClr val="C00000"/>
+                    </a:solidFill>
+                  </a:tcPr>
+                </a:tc>
+                <a:extLst>
+                  <a:ext uri="{0D108BD9-81ED-4DB2-BD59-A6C34878D82A}">
+                    <a16:rowId xmlns:a16="http://schemas.microsoft.com/office/drawing/2014/main" val="3054620621"/>
+                  </a:ext>
+                </a:extLst>
+              </a:tr>
+              <a:tr h="418465">
+                <a:tc>
+                  <a:txBody>
+                    <a:bodyPr/>
+                    <a:lstStyle/>
+                    <a:p>
+                      <a:pPr algn="ctr">
+                        <a:lnSpc>
+                          <a:spcPct val="115000"/>
+                        </a:lnSpc>
+                        <a:spcAft>
+                          <a:spcPts val="800"/>
+                        </a:spcAft>
+                        <a:buNone/>
+                      </a:pPr>
+                      <a:r>
+                        <a:rPr lang="en-US" sz="1200" kern="100" dirty="0">
+                          <a:effectLst/>
+                        </a:rPr>
+                        <a:t>A</a:t>
+                      </a:r>
+                      <a:endParaRPr lang="en-GB" sz="1200" kern="100" dirty="0">
+                        <a:effectLst/>
+                        <a:latin typeface="Aptos" panose="020B0004020202020204" pitchFamily="34" charset="0"/>
+                        <a:ea typeface="Aptos" panose="020B0004020202020204" pitchFamily="34" charset="0"/>
+                        <a:cs typeface="Times New Roman" panose="02020603050405020304" pitchFamily="18" charset="0"/>
+                      </a:endParaRPr>
+                    </a:p>
+                  </a:txBody>
+                  <a:tcPr marL="68580" marR="68580" marT="0" marB="0">
+                    <a:solidFill>
+                      <a:schemeClr val="bg2">
+                        <a:lumMod val="50000"/>
+                      </a:schemeClr>
+                    </a:solidFill>
+                  </a:tcPr>
+                </a:tc>
+                <a:tc>
+                  <a:txBody>
+                    <a:bodyPr/>
+                    <a:lstStyle/>
+                    <a:p>
+                      <a:pPr algn="ctr">
+                        <a:lnSpc>
+                          <a:spcPct val="115000"/>
+                        </a:lnSpc>
+                        <a:spcAft>
+                          <a:spcPts val="800"/>
+                        </a:spcAft>
+                        <a:buNone/>
+                      </a:pPr>
+                      <a:r>
+                        <a:rPr lang="en-US" sz="1050" kern="100" dirty="0">
+                          <a:effectLst/>
+                        </a:rPr>
+                        <a:t>Stores &gt; 6000 sq ft</a:t>
+                      </a:r>
+                      <a:endParaRPr lang="en-GB" sz="1200" kern="100" dirty="0">
+                        <a:effectLst/>
+                        <a:latin typeface="Aptos" panose="020B0004020202020204" pitchFamily="34" charset="0"/>
+                        <a:ea typeface="Aptos" panose="020B0004020202020204" pitchFamily="34" charset="0"/>
+                        <a:cs typeface="Times New Roman" panose="02020603050405020304" pitchFamily="18" charset="0"/>
+                      </a:endParaRPr>
+                    </a:p>
+                  </a:txBody>
+                  <a:tcPr marL="68580" marR="68580" marT="0" marB="0">
+                    <a:solidFill>
+                      <a:schemeClr val="bg2">
+                        <a:lumMod val="50000"/>
+                      </a:schemeClr>
+                    </a:solidFill>
+                  </a:tcPr>
+                </a:tc>
+                <a:tc>
+                  <a:txBody>
+                    <a:bodyPr/>
+                    <a:lstStyle/>
+                    <a:p>
+                      <a:pPr algn="ctr">
+                        <a:lnSpc>
+                          <a:spcPct val="115000"/>
+                        </a:lnSpc>
+                        <a:spcAft>
+                          <a:spcPts val="800"/>
+                        </a:spcAft>
+                        <a:buNone/>
+                      </a:pPr>
+                      <a:r>
+                        <a:rPr lang="en-US" sz="1200" kern="100">
+                          <a:effectLst/>
+                        </a:rPr>
+                        <a:t>1</a:t>
+                      </a:r>
+                      <a:endParaRPr lang="en-GB" sz="1200" kern="100">
+                        <a:effectLst/>
+                        <a:latin typeface="Aptos" panose="020B0004020202020204" pitchFamily="34" charset="0"/>
+                        <a:ea typeface="Aptos" panose="020B0004020202020204" pitchFamily="34" charset="0"/>
+                        <a:cs typeface="Times New Roman" panose="02020603050405020304" pitchFamily="18" charset="0"/>
+                      </a:endParaRPr>
+                    </a:p>
+                  </a:txBody>
+                  <a:tcPr marL="68580" marR="68580" marT="0" marB="0">
+                    <a:solidFill>
+                      <a:schemeClr val="bg2">
+                        <a:lumMod val="50000"/>
+                      </a:schemeClr>
+                    </a:solidFill>
+                  </a:tcPr>
+                </a:tc>
+                <a:tc>
+                  <a:txBody>
+                    <a:bodyPr/>
+                    <a:lstStyle/>
+                    <a:p>
+                      <a:pPr algn="ctr">
+                        <a:lnSpc>
+                          <a:spcPct val="115000"/>
+                        </a:lnSpc>
+                        <a:spcAft>
+                          <a:spcPts val="800"/>
+                        </a:spcAft>
+                        <a:buNone/>
+                      </a:pPr>
+                      <a:r>
+                        <a:rPr lang="en-US" sz="1050" kern="100">
+                          <a:effectLst/>
+                        </a:rPr>
+                        <a:t>Stores performing &gt; $8 million in the SY</a:t>
+                      </a:r>
+                      <a:endParaRPr lang="en-GB" sz="1200" kern="100">
+                        <a:effectLst/>
+                        <a:latin typeface="Aptos" panose="020B0004020202020204" pitchFamily="34" charset="0"/>
+                        <a:ea typeface="Aptos" panose="020B0004020202020204" pitchFamily="34" charset="0"/>
+                        <a:cs typeface="Times New Roman" panose="02020603050405020304" pitchFamily="18" charset="0"/>
+                      </a:endParaRPr>
+                    </a:p>
+                  </a:txBody>
+                  <a:tcPr marL="68580" marR="68580" marT="0" marB="0">
+                    <a:solidFill>
+                      <a:schemeClr val="bg2">
+                        <a:lumMod val="50000"/>
+                      </a:schemeClr>
+                    </a:solidFill>
+                  </a:tcPr>
+                </a:tc>
+                <a:extLst>
+                  <a:ext uri="{0D108BD9-81ED-4DB2-BD59-A6C34878D82A}">
+                    <a16:rowId xmlns:a16="http://schemas.microsoft.com/office/drawing/2014/main" val="902228587"/>
+                  </a:ext>
+                </a:extLst>
+              </a:tr>
+              <a:tr h="266065">
+                <a:tc>
+                  <a:txBody>
+                    <a:bodyPr/>
+                    <a:lstStyle/>
+                    <a:p>
+                      <a:pPr algn="ctr">
+                        <a:lnSpc>
+                          <a:spcPct val="115000"/>
+                        </a:lnSpc>
+                        <a:spcAft>
+                          <a:spcPts val="800"/>
+                        </a:spcAft>
+                        <a:buNone/>
+                      </a:pPr>
+                      <a:r>
+                        <a:rPr lang="en-US" sz="1200" kern="100">
+                          <a:effectLst/>
+                        </a:rPr>
+                        <a:t>B</a:t>
+                      </a:r>
+                      <a:endParaRPr lang="en-GB" sz="1200" kern="100">
+                        <a:effectLst/>
+                        <a:latin typeface="Aptos" panose="020B0004020202020204" pitchFamily="34" charset="0"/>
+                        <a:ea typeface="Aptos" panose="020B0004020202020204" pitchFamily="34" charset="0"/>
+                        <a:cs typeface="Times New Roman" panose="02020603050405020304" pitchFamily="18" charset="0"/>
+                      </a:endParaRPr>
+                    </a:p>
+                  </a:txBody>
+                  <a:tcPr marL="68580" marR="68580" marT="0" marB="0">
+                    <a:solidFill>
+                      <a:schemeClr val="bg2">
+                        <a:lumMod val="50000"/>
+                      </a:schemeClr>
+                    </a:solidFill>
+                  </a:tcPr>
+                </a:tc>
+                <a:tc>
+                  <a:txBody>
+                    <a:bodyPr/>
+                    <a:lstStyle/>
+                    <a:p>
+                      <a:pPr algn="ctr">
+                        <a:lnSpc>
+                          <a:spcPct val="115000"/>
+                        </a:lnSpc>
+                        <a:spcAft>
+                          <a:spcPts val="800"/>
+                        </a:spcAft>
+                        <a:buNone/>
+                      </a:pPr>
+                      <a:r>
+                        <a:rPr lang="en-US" sz="1050" kern="100" dirty="0">
+                          <a:effectLst/>
+                        </a:rPr>
+                        <a:t>Stores between 4000 and 6000 sq ft</a:t>
+                      </a:r>
+                      <a:endParaRPr lang="en-GB" sz="1200" kern="100" dirty="0">
+                        <a:effectLst/>
+                        <a:latin typeface="Aptos" panose="020B0004020202020204" pitchFamily="34" charset="0"/>
+                        <a:ea typeface="Aptos" panose="020B0004020202020204" pitchFamily="34" charset="0"/>
+                        <a:cs typeface="Times New Roman" panose="02020603050405020304" pitchFamily="18" charset="0"/>
+                      </a:endParaRPr>
+                    </a:p>
+                  </a:txBody>
+                  <a:tcPr marL="68580" marR="68580" marT="0" marB="0">
+                    <a:solidFill>
+                      <a:schemeClr val="bg2">
+                        <a:lumMod val="50000"/>
+                      </a:schemeClr>
+                    </a:solidFill>
+                  </a:tcPr>
+                </a:tc>
+                <a:tc>
+                  <a:txBody>
+                    <a:bodyPr/>
+                    <a:lstStyle/>
+                    <a:p>
+                      <a:pPr algn="ctr">
+                        <a:lnSpc>
+                          <a:spcPct val="115000"/>
+                        </a:lnSpc>
+                        <a:spcAft>
+                          <a:spcPts val="800"/>
+                        </a:spcAft>
+                        <a:buNone/>
+                      </a:pPr>
+                      <a:r>
+                        <a:rPr lang="en-US" sz="1200" kern="100" dirty="0">
+                          <a:effectLst/>
+                        </a:rPr>
+                        <a:t>2</a:t>
+                      </a:r>
+                      <a:endParaRPr lang="en-GB" sz="1200" kern="100" dirty="0">
+                        <a:effectLst/>
+                        <a:latin typeface="Aptos" panose="020B0004020202020204" pitchFamily="34" charset="0"/>
+                        <a:ea typeface="Aptos" panose="020B0004020202020204" pitchFamily="34" charset="0"/>
+                        <a:cs typeface="Times New Roman" panose="02020603050405020304" pitchFamily="18" charset="0"/>
+                      </a:endParaRPr>
+                    </a:p>
+                  </a:txBody>
+                  <a:tcPr marL="68580" marR="68580" marT="0" marB="0">
+                    <a:solidFill>
+                      <a:schemeClr val="bg2">
+                        <a:lumMod val="50000"/>
+                      </a:schemeClr>
+                    </a:solidFill>
+                  </a:tcPr>
+                </a:tc>
+                <a:tc>
+                  <a:txBody>
+                    <a:bodyPr/>
+                    <a:lstStyle/>
+                    <a:p>
+                      <a:pPr>
+                        <a:lnSpc>
+                          <a:spcPct val="115000"/>
+                        </a:lnSpc>
+                        <a:spcAft>
+                          <a:spcPts val="800"/>
+                        </a:spcAft>
+                        <a:buNone/>
+                      </a:pPr>
+                      <a:r>
+                        <a:rPr lang="en-US" sz="1050" kern="100" dirty="0">
+                          <a:effectLst/>
+                        </a:rPr>
+                        <a:t>Stores performing between $5 million and $8 million in the SY</a:t>
+                      </a:r>
+                      <a:endParaRPr lang="en-GB" sz="1200" kern="100" dirty="0">
+                        <a:effectLst/>
+                        <a:latin typeface="Aptos" panose="020B0004020202020204" pitchFamily="34" charset="0"/>
+                        <a:ea typeface="Aptos" panose="020B0004020202020204" pitchFamily="34" charset="0"/>
+                        <a:cs typeface="Times New Roman" panose="02020603050405020304" pitchFamily="18" charset="0"/>
+                      </a:endParaRPr>
+                    </a:p>
+                  </a:txBody>
+                  <a:tcPr marL="68580" marR="68580" marT="0" marB="0">
+                    <a:solidFill>
+                      <a:schemeClr val="bg2">
+                        <a:lumMod val="50000"/>
+                      </a:schemeClr>
+                    </a:solidFill>
+                  </a:tcPr>
+                </a:tc>
+                <a:extLst>
+                  <a:ext uri="{0D108BD9-81ED-4DB2-BD59-A6C34878D82A}">
+                    <a16:rowId xmlns:a16="http://schemas.microsoft.com/office/drawing/2014/main" val="3770863337"/>
+                  </a:ext>
+                </a:extLst>
+              </a:tr>
+              <a:tr h="418465">
+                <a:tc>
+                  <a:txBody>
+                    <a:bodyPr/>
+                    <a:lstStyle/>
+                    <a:p>
+                      <a:pPr algn="ctr">
+                        <a:lnSpc>
+                          <a:spcPct val="115000"/>
+                        </a:lnSpc>
+                        <a:spcAft>
+                          <a:spcPts val="800"/>
+                        </a:spcAft>
+                        <a:buNone/>
+                      </a:pPr>
+                      <a:r>
+                        <a:rPr lang="en-US" sz="1200" kern="100">
+                          <a:effectLst/>
+                        </a:rPr>
+                        <a:t>C</a:t>
+                      </a:r>
+                      <a:endParaRPr lang="en-GB" sz="1200" kern="100">
+                        <a:effectLst/>
+                        <a:latin typeface="Aptos" panose="020B0004020202020204" pitchFamily="34" charset="0"/>
+                        <a:ea typeface="Aptos" panose="020B0004020202020204" pitchFamily="34" charset="0"/>
+                        <a:cs typeface="Times New Roman" panose="02020603050405020304" pitchFamily="18" charset="0"/>
+                      </a:endParaRPr>
+                    </a:p>
+                  </a:txBody>
+                  <a:tcPr marL="68580" marR="68580" marT="0" marB="0">
+                    <a:solidFill>
+                      <a:schemeClr val="bg2">
+                        <a:lumMod val="50000"/>
+                      </a:schemeClr>
+                    </a:solidFill>
+                  </a:tcPr>
+                </a:tc>
+                <a:tc>
+                  <a:txBody>
+                    <a:bodyPr/>
+                    <a:lstStyle/>
+                    <a:p>
+                      <a:pPr algn="ctr">
+                        <a:lnSpc>
+                          <a:spcPct val="115000"/>
+                        </a:lnSpc>
+                        <a:spcAft>
+                          <a:spcPts val="800"/>
+                        </a:spcAft>
+                        <a:buNone/>
+                      </a:pPr>
+                      <a:r>
+                        <a:rPr lang="en-US" sz="1050" kern="100">
+                          <a:effectLst/>
+                        </a:rPr>
+                        <a:t>Stores &lt; 4000 sq ft</a:t>
+                      </a:r>
+                      <a:endParaRPr lang="en-GB" sz="1200" kern="100">
+                        <a:effectLst/>
+                        <a:latin typeface="Aptos" panose="020B0004020202020204" pitchFamily="34" charset="0"/>
+                        <a:ea typeface="Aptos" panose="020B0004020202020204" pitchFamily="34" charset="0"/>
+                        <a:cs typeface="Times New Roman" panose="02020603050405020304" pitchFamily="18" charset="0"/>
+                      </a:endParaRPr>
+                    </a:p>
+                  </a:txBody>
+                  <a:tcPr marL="68580" marR="68580" marT="0" marB="0">
+                    <a:solidFill>
+                      <a:schemeClr val="bg2">
+                        <a:lumMod val="50000"/>
+                      </a:schemeClr>
+                    </a:solidFill>
+                  </a:tcPr>
+                </a:tc>
+                <a:tc>
+                  <a:txBody>
+                    <a:bodyPr/>
+                    <a:lstStyle/>
+                    <a:p>
+                      <a:pPr algn="ctr">
+                        <a:lnSpc>
+                          <a:spcPct val="115000"/>
+                        </a:lnSpc>
+                        <a:spcAft>
+                          <a:spcPts val="800"/>
+                        </a:spcAft>
+                        <a:buNone/>
+                      </a:pPr>
+                      <a:r>
+                        <a:rPr lang="en-US" sz="1200" kern="100">
+                          <a:effectLst/>
+                        </a:rPr>
+                        <a:t>3</a:t>
+                      </a:r>
+                      <a:endParaRPr lang="en-GB" sz="1200" kern="100">
+                        <a:effectLst/>
+                        <a:latin typeface="Aptos" panose="020B0004020202020204" pitchFamily="34" charset="0"/>
+                        <a:ea typeface="Aptos" panose="020B0004020202020204" pitchFamily="34" charset="0"/>
+                        <a:cs typeface="Times New Roman" panose="02020603050405020304" pitchFamily="18" charset="0"/>
+                      </a:endParaRPr>
+                    </a:p>
+                  </a:txBody>
+                  <a:tcPr marL="68580" marR="68580" marT="0" marB="0">
+                    <a:solidFill>
+                      <a:schemeClr val="bg2">
+                        <a:lumMod val="50000"/>
+                      </a:schemeClr>
+                    </a:solidFill>
+                  </a:tcPr>
+                </a:tc>
+                <a:tc>
+                  <a:txBody>
+                    <a:bodyPr/>
+                    <a:lstStyle/>
+                    <a:p>
+                      <a:pPr>
+                        <a:lnSpc>
+                          <a:spcPct val="115000"/>
+                        </a:lnSpc>
+                        <a:spcAft>
+                          <a:spcPts val="800"/>
+                        </a:spcAft>
+                        <a:buNone/>
+                      </a:pPr>
+                      <a:r>
+                        <a:rPr lang="en-US" sz="1050" kern="100" dirty="0">
+                          <a:effectLst/>
+                        </a:rPr>
+                        <a:t>Stores performing &lt; $5 million in the SY</a:t>
+                      </a:r>
+                      <a:endParaRPr lang="en-GB" sz="1200" kern="100" dirty="0">
+                        <a:effectLst/>
+                        <a:latin typeface="Aptos" panose="020B0004020202020204" pitchFamily="34" charset="0"/>
+                        <a:ea typeface="Aptos" panose="020B0004020202020204" pitchFamily="34" charset="0"/>
+                        <a:cs typeface="Times New Roman" panose="02020603050405020304" pitchFamily="18" charset="0"/>
+                      </a:endParaRPr>
+                    </a:p>
+                  </a:txBody>
+                  <a:tcPr marL="68580" marR="68580" marT="0" marB="0">
+                    <a:solidFill>
+                      <a:schemeClr val="bg2">
+                        <a:lumMod val="50000"/>
+                      </a:schemeClr>
+                    </a:solidFill>
+                  </a:tcPr>
+                </a:tc>
+                <a:extLst>
+                  <a:ext uri="{0D108BD9-81ED-4DB2-BD59-A6C34878D82A}">
+                    <a16:rowId xmlns:a16="http://schemas.microsoft.com/office/drawing/2014/main" val="3411154111"/>
+                  </a:ext>
+                </a:extLst>
+              </a:tr>
+            </a:tbl>
+          </a:graphicData>
+        </a:graphic>
+      </p:graphicFrame>
     </p:spTree>
     <p:extLst>
       <p:ext uri="{BB962C8B-B14F-4D97-AF65-F5344CB8AC3E}">
@@ -12812,8 +13687,8 @@
         </p:nvSpPr>
         <p:spPr>
           <a:xfrm>
-            <a:off x="4642338" y="902267"/>
-            <a:ext cx="5317588" cy="923330"/>
+            <a:off x="4642338" y="707610"/>
+            <a:ext cx="6670327" cy="923330"/>
           </a:xfrm>
           <a:prstGeom prst="rect">
             <a:avLst/>
@@ -12826,6 +13701,7 @@
           </a:bodyPr>
           <a:lstStyle/>
           <a:p>
+            <a:pPr algn="ctr"/>
             <a:r>
               <a:rPr lang="en-US" dirty="0">
                 <a:solidFill>
@@ -12833,7 +13709,18 @@
                 </a:solidFill>
                 <a:latin typeface="Montserrat" pitchFamily="2" charset="77"/>
               </a:rPr>
-              <a:t>Goal: Use machine learning models to help with predicting the priority of an item for the following year</a:t>
+              <a:t>Goal: </a:t>
+            </a:r>
+          </a:p>
+          <a:p>
+            <a:r>
+              <a:rPr lang="en-US" dirty="0">
+                <a:solidFill>
+                  <a:schemeClr val="bg1"/>
+                </a:solidFill>
+                <a:latin typeface="Montserrat" pitchFamily="2" charset="77"/>
+              </a:rPr>
+              <a:t>Use machine learning models to help with predicting the priority of an item for the following year</a:t>
             </a:r>
           </a:p>
         </p:txBody>
@@ -12852,8 +13739,8 @@
         </p:nvSpPr>
         <p:spPr>
           <a:xfrm>
-            <a:off x="4541518" y="2210090"/>
-            <a:ext cx="6178063" cy="1200329"/>
+            <a:off x="4577361" y="2008198"/>
+            <a:ext cx="6771147" cy="923330"/>
           </a:xfrm>
           <a:prstGeom prst="rect">
             <a:avLst/>
@@ -12878,6 +13765,7 @@
             </a:r>
           </a:p>
           <a:p>
+            <a:pPr algn="ctr"/>
             <a:r>
               <a:rPr lang="en-US" dirty="0" err="1">
                 <a:solidFill>
@@ -13021,7 +13909,7 @@
         </p:nvSpPr>
         <p:spPr>
           <a:xfrm>
-            <a:off x="4642338" y="3794912"/>
+            <a:off x="4957324" y="3550305"/>
             <a:ext cx="6178063" cy="2031325"/>
           </a:xfrm>
           <a:prstGeom prst="rect">
@@ -14695,101 +15583,6 @@
       </p:grpSp>
       <p:sp>
         <p:nvSpPr>
-          <p:cNvPr id="2" name="TextBox 1">
-            <a:extLst>
-              <a:ext uri="{FF2B5EF4-FFF2-40B4-BE49-F238E27FC236}">
-                <a16:creationId xmlns:a16="http://schemas.microsoft.com/office/drawing/2014/main" id="{FB2B7C15-7028-D382-101A-4A0F451056BD}"/>
-              </a:ext>
-            </a:extLst>
-          </p:cNvPr>
-          <p:cNvSpPr txBox="1"/>
-          <p:nvPr/>
-        </p:nvSpPr>
-        <p:spPr>
-          <a:xfrm>
-            <a:off x="3737779" y="289679"/>
-            <a:ext cx="5177384" cy="3139321"/>
-          </a:xfrm>
-          <a:prstGeom prst="rect">
-            <a:avLst/>
-          </a:prstGeom>
-          <a:noFill/>
-        </p:spPr>
-        <p:txBody>
-          <a:bodyPr wrap="square" rtlCol="0">
-            <a:spAutoFit/>
-          </a:bodyPr>
-          <a:lstStyle/>
-          <a:p>
-            <a:pPr algn="ctr"/>
-            <a:r>
-              <a:rPr lang="en-US" b="1" dirty="0">
-                <a:solidFill>
-                  <a:schemeClr val="bg1"/>
-                </a:solidFill>
-                <a:latin typeface="Montserrat" pitchFamily="2" charset="77"/>
-              </a:rPr>
-              <a:t>Inventory Parameters</a:t>
-            </a:r>
-          </a:p>
-          <a:p>
-            <a:pPr algn="ctr"/>
-            <a:endParaRPr lang="en-US" dirty="0">
-              <a:solidFill>
-                <a:schemeClr val="bg1"/>
-              </a:solidFill>
-              <a:latin typeface="Montserrat" pitchFamily="2" charset="77"/>
-            </a:endParaRPr>
-          </a:p>
-          <a:p>
-            <a:pPr marL="285750" indent="-285750">
-              <a:buFont typeface="Arial" panose="020B0604020202020204" pitchFamily="34" charset="0"/>
-              <a:buChar char="•"/>
-            </a:pPr>
-            <a:r>
-              <a:rPr lang="en-US" dirty="0">
-                <a:solidFill>
-                  <a:schemeClr val="bg1"/>
-                </a:solidFill>
-                <a:latin typeface="Montserrat" pitchFamily="2" charset="77"/>
-              </a:rPr>
-              <a:t>Tier 1 stores should be at minimum 55% high priority items, 30% medium priority items, and 15% low priority items</a:t>
-            </a:r>
-          </a:p>
-          <a:p>
-            <a:pPr marL="285750" indent="-285750">
-              <a:buFont typeface="Arial" panose="020B0604020202020204" pitchFamily="34" charset="0"/>
-              <a:buChar char="•"/>
-            </a:pPr>
-            <a:r>
-              <a:rPr lang="en-US" dirty="0">
-                <a:solidFill>
-                  <a:schemeClr val="bg1"/>
-                </a:solidFill>
-                <a:latin typeface="Montserrat" pitchFamily="2" charset="77"/>
-              </a:rPr>
-              <a:t>Tier 2 stores should be at minimum 75% high priority items, 20% medium priority items, and 5% low priority items</a:t>
-            </a:r>
-          </a:p>
-          <a:p>
-            <a:pPr marL="285750" indent="-285750">
-              <a:buFont typeface="Arial" panose="020B0604020202020204" pitchFamily="34" charset="0"/>
-              <a:buChar char="•"/>
-            </a:pPr>
-            <a:r>
-              <a:rPr lang="en-US" dirty="0">
-                <a:solidFill>
-                  <a:schemeClr val="bg1"/>
-                </a:solidFill>
-                <a:latin typeface="Montserrat" pitchFamily="2" charset="77"/>
-              </a:rPr>
-              <a:t>Tier 3 stores should be at minimum 85% high priority items, 15% medium priority items, and 0% low priority items</a:t>
-            </a:r>
-          </a:p>
-        </p:txBody>
-      </p:sp>
-      <p:sp>
-        <p:nvSpPr>
           <p:cNvPr id="19" name="TextBox 18">
             <a:extLst>
               <a:ext uri="{FF2B5EF4-FFF2-40B4-BE49-F238E27FC236}">
@@ -14802,7 +15595,7 @@
         </p:nvSpPr>
         <p:spPr>
           <a:xfrm>
-            <a:off x="3935399" y="3429000"/>
+            <a:off x="4735345" y="3545197"/>
             <a:ext cx="5739619" cy="3139321"/>
           </a:xfrm>
           <a:prstGeom prst="rect">
@@ -14825,6 +15618,7 @@
             </a:endParaRPr>
           </a:p>
           <a:p>
+            <a:pPr algn="ctr"/>
             <a:r>
               <a:rPr lang="en-US" dirty="0">
                 <a:solidFill>
@@ -14909,6 +15703,36 @@
           </a:p>
         </p:txBody>
       </p:sp>
+      <p:pic>
+        <p:nvPicPr>
+          <p:cNvPr id="12" name="Picture 11" descr="A graph of different colored bars&#10;&#10;AI-generated content may be incorrect.">
+            <a:extLst>
+              <a:ext uri="{FF2B5EF4-FFF2-40B4-BE49-F238E27FC236}">
+                <a16:creationId xmlns:a16="http://schemas.microsoft.com/office/drawing/2014/main" id="{8E0EE8E6-10FE-98F7-3B96-740ED1C09F92}"/>
+              </a:ext>
+            </a:extLst>
+          </p:cNvPr>
+          <p:cNvPicPr>
+            <a:picLocks noChangeAspect="1"/>
+          </p:cNvPicPr>
+          <p:nvPr/>
+        </p:nvPicPr>
+        <p:blipFill>
+          <a:blip r:embed="rId3"/>
+          <a:stretch>
+            <a:fillRect/>
+          </a:stretch>
+        </p:blipFill>
+        <p:spPr>
+          <a:xfrm>
+            <a:off x="4418381" y="173482"/>
+            <a:ext cx="6373549" cy="3407600"/>
+          </a:xfrm>
+          <a:prstGeom prst="rect">
+            <a:avLst/>
+          </a:prstGeom>
+        </p:spPr>
+      </p:pic>
     </p:spTree>
     <p:extLst>
       <p:ext uri="{BB962C8B-B14F-4D97-AF65-F5344CB8AC3E}">
@@ -16252,4 +17076,269 @@
     </a:ext>
   </a:extLst>
 </a:theme>
+</file>
+
+<file path=customXml/item1.xml><?xml version="1.0" encoding="utf-8"?>
+<p:properties xmlns:p="http://schemas.microsoft.com/office/2006/metadata/properties" xmlns:xsi="http://www.w3.org/2001/XMLSchema-instance" xmlns:pc="http://schemas.microsoft.com/office/infopath/2007/PartnerControls">
+  <documentManagement>
+    <lcf76f155ced4ddcb4097134ff3c332f xmlns="c5b7859c-cd3e-47bd-a10a-72c7e0897abc">
+      <Terms xmlns="http://schemas.microsoft.com/office/infopath/2007/PartnerControls"/>
+    </lcf76f155ced4ddcb4097134ff3c332f>
+    <TaxCatchAll xmlns="ddf5e2c5-0468-470a-a2ed-29ebfe52fc9f" xsi:nil="true"/>
+  </documentManagement>
+</p:properties>
+</file>
+
+<file path=customXml/item2.xml><?xml version="1.0" encoding="utf-8"?>
+<?mso-contentType ?>
+<FormTemplates xmlns="http://schemas.microsoft.com/sharepoint/v3/contenttype/forms">
+  <Display>DocumentLibraryForm</Display>
+  <Edit>DocumentLibraryForm</Edit>
+  <New>DocumentLibraryForm</New>
+</FormTemplates>
+</file>
+
+<file path=customXml/item3.xml><?xml version="1.0" encoding="utf-8"?>
+<ct:contentTypeSchema xmlns:ct="http://schemas.microsoft.com/office/2006/metadata/contentType" xmlns:ma="http://schemas.microsoft.com/office/2006/metadata/properties/metaAttributes" ct:_="" ma:_="" ma:contentTypeName="Document" ma:contentTypeID="0x01010055C841D57BE5B8409AE1CDBAD9B44B84" ma:contentTypeVersion="12" ma:contentTypeDescription="Create a new document." ma:contentTypeScope="" ma:versionID="8de65bd6742f187d60d2bf4f19cf509e">
+  <xsd:schema xmlns:xsd="http://www.w3.org/2001/XMLSchema" xmlns:xs="http://www.w3.org/2001/XMLSchema" xmlns:p="http://schemas.microsoft.com/office/2006/metadata/properties" xmlns:ns2="c5b7859c-cd3e-47bd-a10a-72c7e0897abc" xmlns:ns3="ddf5e2c5-0468-470a-a2ed-29ebfe52fc9f" targetNamespace="http://schemas.microsoft.com/office/2006/metadata/properties" ma:root="true" ma:fieldsID="fa3bde16f4a628f8368cfb56b56834a1" ns2:_="" ns3:_="">
+    <xsd:import namespace="c5b7859c-cd3e-47bd-a10a-72c7e0897abc"/>
+    <xsd:import namespace="ddf5e2c5-0468-470a-a2ed-29ebfe52fc9f"/>
+    <xsd:element name="properties">
+      <xsd:complexType>
+        <xsd:sequence>
+          <xsd:element name="documentManagement">
+            <xsd:complexType>
+              <xsd:all>
+                <xsd:element ref="ns2:MediaServiceMetadata" minOccurs="0"/>
+                <xsd:element ref="ns2:MediaServiceFastMetadata" minOccurs="0"/>
+                <xsd:element ref="ns2:MediaServiceSearchProperties" minOccurs="0"/>
+                <xsd:element ref="ns2:MediaServiceDateTaken" minOccurs="0"/>
+                <xsd:element ref="ns2:lcf76f155ced4ddcb4097134ff3c332f" minOccurs="0"/>
+                <xsd:element ref="ns3:TaxCatchAll" minOccurs="0"/>
+                <xsd:element ref="ns2:MediaServiceOCR" minOccurs="0"/>
+                <xsd:element ref="ns2:MediaServiceGenerationTime" minOccurs="0"/>
+                <xsd:element ref="ns2:MediaServiceEventHashCode" minOccurs="0"/>
+                <xsd:element ref="ns2:MediaLengthInSeconds" minOccurs="0"/>
+                <xsd:element ref="ns2:MediaServiceLocation" minOccurs="0"/>
+              </xsd:all>
+            </xsd:complexType>
+          </xsd:element>
+        </xsd:sequence>
+      </xsd:complexType>
+    </xsd:element>
+  </xsd:schema>
+  <xsd:schema xmlns:xsd="http://www.w3.org/2001/XMLSchema" xmlns:xs="http://www.w3.org/2001/XMLSchema" xmlns:dms="http://schemas.microsoft.com/office/2006/documentManagement/types" xmlns:pc="http://schemas.microsoft.com/office/infopath/2007/PartnerControls" targetNamespace="c5b7859c-cd3e-47bd-a10a-72c7e0897abc" elementFormDefault="qualified">
+    <xsd:import namespace="http://schemas.microsoft.com/office/2006/documentManagement/types"/>
+    <xsd:import namespace="http://schemas.microsoft.com/office/infopath/2007/PartnerControls"/>
+    <xsd:element name="MediaServiceMetadata" ma:index="8" nillable="true" ma:displayName="MediaServiceMetadata" ma:hidden="true" ma:internalName="MediaServiceMetadata" ma:readOnly="true">
+      <xsd:simpleType>
+        <xsd:restriction base="dms:Note"/>
+      </xsd:simpleType>
+    </xsd:element>
+    <xsd:element name="MediaServiceFastMetadata" ma:index="9" nillable="true" ma:displayName="MediaServiceFastMetadata" ma:hidden="true" ma:internalName="MediaServiceFastMetadata" ma:readOnly="true">
+      <xsd:simpleType>
+        <xsd:restriction base="dms:Note"/>
+      </xsd:simpleType>
+    </xsd:element>
+    <xsd:element name="MediaServiceSearchProperties" ma:index="10" nillable="true" ma:displayName="MediaServiceSearchProperties" ma:hidden="true" ma:internalName="MediaServiceSearchProperties" ma:readOnly="true">
+      <xsd:simpleType>
+        <xsd:restriction base="dms:Note"/>
+      </xsd:simpleType>
+    </xsd:element>
+    <xsd:element name="MediaServiceDateTaken" ma:index="11" nillable="true" ma:displayName="MediaServiceDateTaken" ma:hidden="true" ma:indexed="true" ma:internalName="MediaServiceDateTaken" ma:readOnly="true">
+      <xsd:simpleType>
+        <xsd:restriction base="dms:Text"/>
+      </xsd:simpleType>
+    </xsd:element>
+    <xsd:element name="lcf76f155ced4ddcb4097134ff3c332f" ma:index="13" nillable="true" ma:taxonomy="true" ma:internalName="lcf76f155ced4ddcb4097134ff3c332f" ma:taxonomyFieldName="MediaServiceImageTags" ma:displayName="Image Tags" ma:readOnly="false" ma:fieldId="{5cf76f15-5ced-4ddc-b409-7134ff3c332f}" ma:taxonomyMulti="true" ma:sspId="d3d9b174-7e47-4f28-abd7-41f0d2dcc11f" ma:termSetId="09814cd3-568e-fe90-9814-8d621ff8fb84" ma:anchorId="fba54fb3-c3e1-fe81-a776-ca4b69148c4d" ma:open="true" ma:isKeyword="false">
+      <xsd:complexType>
+        <xsd:sequence>
+          <xsd:element ref="pc:Terms" minOccurs="0" maxOccurs="1"/>
+        </xsd:sequence>
+      </xsd:complexType>
+    </xsd:element>
+    <xsd:element name="MediaServiceOCR" ma:index="15" nillable="true" ma:displayName="Extracted Text" ma:internalName="MediaServiceOCR" ma:readOnly="true">
+      <xsd:simpleType>
+        <xsd:restriction base="dms:Note">
+          <xsd:maxLength value="255"/>
+        </xsd:restriction>
+      </xsd:simpleType>
+    </xsd:element>
+    <xsd:element name="MediaServiceGenerationTime" ma:index="16" nillable="true" ma:displayName="MediaServiceGenerationTime" ma:hidden="true" ma:internalName="MediaServiceGenerationTime" ma:readOnly="true">
+      <xsd:simpleType>
+        <xsd:restriction base="dms:Text"/>
+      </xsd:simpleType>
+    </xsd:element>
+    <xsd:element name="MediaServiceEventHashCode" ma:index="17" nillable="true" ma:displayName="MediaServiceEventHashCode" ma:hidden="true" ma:internalName="MediaServiceEventHashCode" ma:readOnly="true">
+      <xsd:simpleType>
+        <xsd:restriction base="dms:Text"/>
+      </xsd:simpleType>
+    </xsd:element>
+    <xsd:element name="MediaLengthInSeconds" ma:index="18" nillable="true" ma:displayName="MediaLengthInSeconds" ma:hidden="true" ma:internalName="MediaLengthInSeconds" ma:readOnly="true">
+      <xsd:simpleType>
+        <xsd:restriction base="dms:Unknown"/>
+      </xsd:simpleType>
+    </xsd:element>
+    <xsd:element name="MediaServiceLocation" ma:index="19" nillable="true" ma:displayName="Location" ma:indexed="true" ma:internalName="MediaServiceLocation" ma:readOnly="true">
+      <xsd:simpleType>
+        <xsd:restriction base="dms:Text"/>
+      </xsd:simpleType>
+    </xsd:element>
+  </xsd:schema>
+  <xsd:schema xmlns:xsd="http://www.w3.org/2001/XMLSchema" xmlns:xs="http://www.w3.org/2001/XMLSchema" xmlns:dms="http://schemas.microsoft.com/office/2006/documentManagement/types" xmlns:pc="http://schemas.microsoft.com/office/infopath/2007/PartnerControls" targetNamespace="ddf5e2c5-0468-470a-a2ed-29ebfe52fc9f" elementFormDefault="qualified">
+    <xsd:import namespace="http://schemas.microsoft.com/office/2006/documentManagement/types"/>
+    <xsd:import namespace="http://schemas.microsoft.com/office/infopath/2007/PartnerControls"/>
+    <xsd:element name="TaxCatchAll" ma:index="14" nillable="true" ma:displayName="Taxonomy Catch All Column" ma:hidden="true" ma:list="{f8ae0300-b805-465c-b265-b806d2ceae69}" ma:internalName="TaxCatchAll" ma:showField="CatchAllData" ma:web="ddf5e2c5-0468-470a-a2ed-29ebfe52fc9f">
+      <xsd:complexType>
+        <xsd:complexContent>
+          <xsd:extension base="dms:MultiChoiceLookup">
+            <xsd:sequence>
+              <xsd:element name="Value" type="dms:Lookup" maxOccurs="unbounded" minOccurs="0" nillable="true"/>
+            </xsd:sequence>
+          </xsd:extension>
+        </xsd:complexContent>
+      </xsd:complexType>
+    </xsd:element>
+  </xsd:schema>
+  <xsd:schema xmlns="http://schemas.openxmlformats.org/package/2006/metadata/core-properties" xmlns:xsd="http://www.w3.org/2001/XMLSchema" xmlns:xsi="http://www.w3.org/2001/XMLSchema-instance" xmlns:dc="http://purl.org/dc/elements/1.1/" xmlns:dcterms="http://purl.org/dc/terms/" xmlns:odoc="http://schemas.microsoft.com/internal/obd" targetNamespace="http://schemas.openxmlformats.org/package/2006/metadata/core-properties" elementFormDefault="qualified" attributeFormDefault="unqualified" blockDefault="#all">
+    <xsd:import namespace="http://purl.org/dc/elements/1.1/" schemaLocation="http://dublincore.org/schemas/xmls/qdc/2003/04/02/dc.xsd"/>
+    <xsd:import namespace="http://purl.org/dc/terms/" schemaLocation="http://dublincore.org/schemas/xmls/qdc/2003/04/02/dcterms.xsd"/>
+    <xsd:element name="coreProperties" type="CT_coreProperties"/>
+    <xsd:complexType name="CT_coreProperties">
+      <xsd:all>
+        <xsd:element ref="dc:creator" minOccurs="0" maxOccurs="1"/>
+        <xsd:element ref="dcterms:created" minOccurs="0" maxOccurs="1"/>
+        <xsd:element ref="dc:identifier" minOccurs="0" maxOccurs="1"/>
+        <xsd:element name="contentType" minOccurs="0" maxOccurs="1" type="xsd:string" ma:index="0" ma:displayName="Content Type"/>
+        <xsd:element ref="dc:title" minOccurs="0" maxOccurs="1" ma:index="4" ma:displayName="Title"/>
+        <xsd:element ref="dc:subject" minOccurs="0" maxOccurs="1"/>
+        <xsd:element ref="dc:description" minOccurs="0" maxOccurs="1"/>
+        <xsd:element name="keywords" minOccurs="0" maxOccurs="1" type="xsd:string"/>
+        <xsd:element ref="dc:language" minOccurs="0" maxOccurs="1"/>
+        <xsd:element name="category" minOccurs="0" maxOccurs="1" type="xsd:string"/>
+        <xsd:element name="version" minOccurs="0" maxOccurs="1" type="xsd:string"/>
+        <xsd:element name="revision" minOccurs="0" maxOccurs="1" type="xsd:string">
+          <xsd:annotation>
+            <xsd:documentation>
+                        This value indicates the number of saves or revisions. The application is responsible for updating this value after each revision.
+                    </xsd:documentation>
+          </xsd:annotation>
+        </xsd:element>
+        <xsd:element name="lastModifiedBy" minOccurs="0" maxOccurs="1" type="xsd:string"/>
+        <xsd:element ref="dcterms:modified" minOccurs="0" maxOccurs="1"/>
+        <xsd:element name="contentStatus" minOccurs="0" maxOccurs="1" type="xsd:string"/>
+      </xsd:all>
+    </xsd:complexType>
+  </xsd:schema>
+  <xs:schema xmlns:pc="http://schemas.microsoft.com/office/infopath/2007/PartnerControls" xmlns:xs="http://www.w3.org/2001/XMLSchema" targetNamespace="http://schemas.microsoft.com/office/infopath/2007/PartnerControls" elementFormDefault="qualified" attributeFormDefault="unqualified">
+    <xs:element name="Person">
+      <xs:complexType>
+        <xs:sequence>
+          <xs:element ref="pc:DisplayName" minOccurs="0"/>
+          <xs:element ref="pc:AccountId" minOccurs="0"/>
+          <xs:element ref="pc:AccountType" minOccurs="0"/>
+        </xs:sequence>
+      </xs:complexType>
+    </xs:element>
+    <xs:element name="DisplayName" type="xs:string"/>
+    <xs:element name="AccountId" type="xs:string"/>
+    <xs:element name="AccountType" type="xs:string"/>
+    <xs:element name="BDCAssociatedEntity">
+      <xs:complexType>
+        <xs:sequence>
+          <xs:element ref="pc:BDCEntity" minOccurs="0" maxOccurs="unbounded"/>
+        </xs:sequence>
+        <xs:attribute ref="pc:EntityNamespace"/>
+        <xs:attribute ref="pc:EntityName"/>
+        <xs:attribute ref="pc:SystemInstanceName"/>
+        <xs:attribute ref="pc:AssociationName"/>
+      </xs:complexType>
+    </xs:element>
+    <xs:attribute name="EntityNamespace" type="xs:string"/>
+    <xs:attribute name="EntityName" type="xs:string"/>
+    <xs:attribute name="SystemInstanceName" type="xs:string"/>
+    <xs:attribute name="AssociationName" type="xs:string"/>
+    <xs:element name="BDCEntity">
+      <xs:complexType>
+        <xs:sequence>
+          <xs:element ref="pc:EntityDisplayName" minOccurs="0"/>
+          <xs:element ref="pc:EntityInstanceReference" minOccurs="0"/>
+          <xs:element ref="pc:EntityId1" minOccurs="0"/>
+          <xs:element ref="pc:EntityId2" minOccurs="0"/>
+          <xs:element ref="pc:EntityId3" minOccurs="0"/>
+          <xs:element ref="pc:EntityId4" minOccurs="0"/>
+          <xs:element ref="pc:EntityId5" minOccurs="0"/>
+        </xs:sequence>
+      </xs:complexType>
+    </xs:element>
+    <xs:element name="EntityDisplayName" type="xs:string"/>
+    <xs:element name="EntityInstanceReference" type="xs:string"/>
+    <xs:element name="EntityId1" type="xs:string"/>
+    <xs:element name="EntityId2" type="xs:string"/>
+    <xs:element name="EntityId3" type="xs:string"/>
+    <xs:element name="EntityId4" type="xs:string"/>
+    <xs:element name="EntityId5" type="xs:string"/>
+    <xs:element name="Terms">
+      <xs:complexType>
+        <xs:sequence>
+          <xs:element ref="pc:TermInfo" minOccurs="0" maxOccurs="unbounded"/>
+        </xs:sequence>
+      </xs:complexType>
+    </xs:element>
+    <xs:element name="TermInfo">
+      <xs:complexType>
+        <xs:sequence>
+          <xs:element ref="pc:TermName" minOccurs="0"/>
+          <xs:element ref="pc:TermId" minOccurs="0"/>
+        </xs:sequence>
+      </xs:complexType>
+    </xs:element>
+    <xs:element name="TermName" type="xs:string"/>
+    <xs:element name="TermId" type="xs:string"/>
+  </xs:schema>
+</ct:contentTypeSchema>
+</file>
+
+<file path=customXml/itemProps1.xml><?xml version="1.0" encoding="utf-8"?>
+<ds:datastoreItem xmlns:ds="http://schemas.openxmlformats.org/officeDocument/2006/customXml" ds:itemID="{DF7F656B-71DB-444F-A425-3C27E580672A}">
+  <ds:schemaRefs>
+    <ds:schemaRef ds:uri="http://schemas.microsoft.com/office/infopath/2007/PartnerControls"/>
+    <ds:schemaRef ds:uri="http://www.w3.org/XML/1998/namespace"/>
+    <ds:schemaRef ds:uri="http://purl.org/dc/dcmitype/"/>
+    <ds:schemaRef ds:uri="http://schemas.openxmlformats.org/package/2006/metadata/core-properties"/>
+    <ds:schemaRef ds:uri="ddf5e2c5-0468-470a-a2ed-29ebfe52fc9f"/>
+    <ds:schemaRef ds:uri="http://schemas.microsoft.com/office/2006/documentManagement/types"/>
+    <ds:schemaRef ds:uri="http://purl.org/dc/terms/"/>
+    <ds:schemaRef ds:uri="c5b7859c-cd3e-47bd-a10a-72c7e0897abc"/>
+    <ds:schemaRef ds:uri="http://schemas.microsoft.com/office/2006/metadata/properties"/>
+    <ds:schemaRef ds:uri="http://purl.org/dc/elements/1.1/"/>
+  </ds:schemaRefs>
+</ds:datastoreItem>
+</file>
+
+<file path=customXml/itemProps2.xml><?xml version="1.0" encoding="utf-8"?>
+<ds:datastoreItem xmlns:ds="http://schemas.openxmlformats.org/officeDocument/2006/customXml" ds:itemID="{6457E7DA-BF07-4F59-A61A-7409E4187FEF}">
+  <ds:schemaRefs>
+    <ds:schemaRef ds:uri="http://schemas.microsoft.com/sharepoint/v3/contenttype/forms"/>
+  </ds:schemaRefs>
+</ds:datastoreItem>
+</file>
+
+<file path=customXml/itemProps3.xml><?xml version="1.0" encoding="utf-8"?>
+<ds:datastoreItem xmlns:ds="http://schemas.openxmlformats.org/officeDocument/2006/customXml" ds:itemID="{6C07D343-654C-4BD0-8555-D65B6250FF61}">
+  <ds:schemaRefs>
+    <ds:schemaRef ds:uri="http://schemas.microsoft.com/office/2006/metadata/contentType"/>
+    <ds:schemaRef ds:uri="http://schemas.microsoft.com/office/2006/metadata/properties/metaAttributes"/>
+    <ds:schemaRef ds:uri="http://www.w3.org/2001/XMLSchema"/>
+    <ds:schemaRef ds:uri="http://schemas.microsoft.com/office/2006/metadata/properties"/>
+    <ds:schemaRef ds:uri="c5b7859c-cd3e-47bd-a10a-72c7e0897abc"/>
+    <ds:schemaRef ds:uri="ddf5e2c5-0468-470a-a2ed-29ebfe52fc9f"/>
+    <ds:schemaRef ds:uri="http://schemas.microsoft.com/office/2006/documentManagement/types"/>
+    <ds:schemaRef ds:uri="http://schemas.microsoft.com/office/infopath/2007/PartnerControls"/>
+    <ds:schemaRef ds:uri="http://schemas.openxmlformats.org/package/2006/metadata/core-properties"/>
+    <ds:schemaRef ds:uri="http://purl.org/dc/elements/1.1/"/>
+    <ds:schemaRef ds:uri="http://purl.org/dc/terms/"/>
+    <ds:schemaRef ds:uri="http://schemas.microsoft.com/internal/obd"/>
+  </ds:schemaRefs>
+</ds:datastoreItem>
 </file>
--- a/AndreWarsaw_ABS_Presentation.pptx
+++ b/AndreWarsaw_ABS_Presentation.pptx
@@ -130,7 +130,7 @@
 <file path=ppt/revisionInfo.xml><?xml version="1.0" encoding="utf-8"?>
 <p1510:revInfo xmlns:a="http://schemas.openxmlformats.org/drawingml/2006/main" xmlns:r="http://schemas.openxmlformats.org/officeDocument/2006/relationships" xmlns:p1510="http://schemas.microsoft.com/office/powerpoint/2015/10/main">
   <p1510:revLst>
-    <p1510:client id="{75D5128E-8CD1-B242-87B1-2A16467EDD8D}" v="2" dt="2025-12-17T23:12:36.506"/>
+    <p1510:client id="{75D5128E-8CD1-B242-87B1-2A16467EDD8D}" v="1" dt="2025-12-27T05:37:28.235"/>
   </p1510:revLst>
 </p1510:revInfo>
 </file>
@@ -217,7 +217,7 @@
           <a:p>
             <a:fld id="{35A9BE7E-21B2-394D-80EA-DD3C0CE12F78}" type="datetimeFigureOut">
               <a:rPr lang="en-US" smtClean="0"/>
-              <a:t>12/15/25</a:t>
+              <a:t>12/27/25</a:t>
             </a:fld>
             <a:endParaRPr lang="en-US"/>
           </a:p>
@@ -1906,7 +1906,7 @@
           <a:p>
             <a:fld id="{9E554AB3-FD2C-484A-88CE-2EEEC0C7C8A1}" type="datetimeFigureOut">
               <a:rPr lang="en-US" smtClean="0"/>
-              <a:t>12/15/25</a:t>
+              <a:t>12/27/25</a:t>
             </a:fld>
             <a:endParaRPr lang="en-US"/>
           </a:p>
@@ -2106,7 +2106,7 @@
           <a:p>
             <a:fld id="{9E554AB3-FD2C-484A-88CE-2EEEC0C7C8A1}" type="datetimeFigureOut">
               <a:rPr lang="en-US" smtClean="0"/>
-              <a:t>12/15/25</a:t>
+              <a:t>12/27/25</a:t>
             </a:fld>
             <a:endParaRPr lang="en-US"/>
           </a:p>
@@ -2316,7 +2316,7 @@
           <a:p>
             <a:fld id="{9E554AB3-FD2C-484A-88CE-2EEEC0C7C8A1}" type="datetimeFigureOut">
               <a:rPr lang="en-US" smtClean="0"/>
-              <a:t>12/15/25</a:t>
+              <a:t>12/27/25</a:t>
             </a:fld>
             <a:endParaRPr lang="en-US"/>
           </a:p>
@@ -2516,7 +2516,7 @@
           <a:p>
             <a:fld id="{9E554AB3-FD2C-484A-88CE-2EEEC0C7C8A1}" type="datetimeFigureOut">
               <a:rPr lang="en-US" smtClean="0"/>
-              <a:t>12/15/25</a:t>
+              <a:t>12/27/25</a:t>
             </a:fld>
             <a:endParaRPr lang="en-US"/>
           </a:p>
@@ -2792,7 +2792,7 @@
           <a:p>
             <a:fld id="{9E554AB3-FD2C-484A-88CE-2EEEC0C7C8A1}" type="datetimeFigureOut">
               <a:rPr lang="en-US" smtClean="0"/>
-              <a:t>12/15/25</a:t>
+              <a:t>12/27/25</a:t>
             </a:fld>
             <a:endParaRPr lang="en-US"/>
           </a:p>
@@ -3060,7 +3060,7 @@
           <a:p>
             <a:fld id="{9E554AB3-FD2C-484A-88CE-2EEEC0C7C8A1}" type="datetimeFigureOut">
               <a:rPr lang="en-US" smtClean="0"/>
-              <a:t>12/15/25</a:t>
+              <a:t>12/27/25</a:t>
             </a:fld>
             <a:endParaRPr lang="en-US"/>
           </a:p>
@@ -3475,7 +3475,7 @@
           <a:p>
             <a:fld id="{9E554AB3-FD2C-484A-88CE-2EEEC0C7C8A1}" type="datetimeFigureOut">
               <a:rPr lang="en-US" smtClean="0"/>
-              <a:t>12/15/25</a:t>
+              <a:t>12/27/25</a:t>
             </a:fld>
             <a:endParaRPr lang="en-US"/>
           </a:p>
@@ -3617,7 +3617,7 @@
           <a:p>
             <a:fld id="{9E554AB3-FD2C-484A-88CE-2EEEC0C7C8A1}" type="datetimeFigureOut">
               <a:rPr lang="en-US" smtClean="0"/>
-              <a:t>12/15/25</a:t>
+              <a:t>12/27/25</a:t>
             </a:fld>
             <a:endParaRPr lang="en-US"/>
           </a:p>
@@ -3730,7 +3730,7 @@
           <a:p>
             <a:fld id="{9E554AB3-FD2C-484A-88CE-2EEEC0C7C8A1}" type="datetimeFigureOut">
               <a:rPr lang="en-US" smtClean="0"/>
-              <a:t>12/15/25</a:t>
+              <a:t>12/27/25</a:t>
             </a:fld>
             <a:endParaRPr lang="en-US"/>
           </a:p>
@@ -4043,7 +4043,7 @@
           <a:p>
             <a:fld id="{9E554AB3-FD2C-484A-88CE-2EEEC0C7C8A1}" type="datetimeFigureOut">
               <a:rPr lang="en-US" smtClean="0"/>
-              <a:t>12/15/25</a:t>
+              <a:t>12/27/25</a:t>
             </a:fld>
             <a:endParaRPr lang="en-US"/>
           </a:p>
@@ -4332,7 +4332,7 @@
           <a:p>
             <a:fld id="{9E554AB3-FD2C-484A-88CE-2EEEC0C7C8A1}" type="datetimeFigureOut">
               <a:rPr lang="en-US" smtClean="0"/>
-              <a:t>12/15/25</a:t>
+              <a:t>12/27/25</a:t>
             </a:fld>
             <a:endParaRPr lang="en-US"/>
           </a:p>
@@ -4575,7 +4575,7 @@
           <a:p>
             <a:fld id="{9E554AB3-FD2C-484A-88CE-2EEEC0C7C8A1}" type="datetimeFigureOut">
               <a:rPr lang="en-US" smtClean="0"/>
-              <a:t>12/15/25</a:t>
+              <a:t>12/27/25</a:t>
             </a:fld>
             <a:endParaRPr lang="en-US"/>
           </a:p>
@@ -6438,7 +6438,7 @@
         <p:spPr>
           <a:xfrm>
             <a:off x="7061982" y="4712677"/>
-            <a:ext cx="3094892" cy="1323439"/>
+            <a:ext cx="3094892" cy="400110"/>
           </a:xfrm>
           <a:prstGeom prst="rect">
             <a:avLst/>
@@ -6461,48 +6461,6 @@
               </a:rPr>
               <a:t>Andre Warsaw</a:t>
             </a:r>
-          </a:p>
-          <a:p>
-            <a:pPr algn="ctr"/>
-            <a:r>
-              <a:rPr lang="en-US" sz="2000" dirty="0">
-                <a:solidFill>
-                  <a:schemeClr val="bg1"/>
-                </a:solidFill>
-                <a:latin typeface="Montserrat Medium" pitchFamily="2" charset="77"/>
-              </a:rPr>
-              <a:t>Data 205</a:t>
-            </a:r>
-          </a:p>
-          <a:p>
-            <a:pPr algn="ctr"/>
-            <a:r>
-              <a:rPr lang="en-US" sz="2000" dirty="0">
-                <a:solidFill>
-                  <a:schemeClr val="bg1"/>
-                </a:solidFill>
-                <a:latin typeface="Montserrat Medium" pitchFamily="2" charset="77"/>
-              </a:rPr>
-              <a:t>Prof Lori Perine</a:t>
-            </a:r>
-          </a:p>
-          <a:p>
-            <a:pPr algn="ctr"/>
-            <a:r>
-              <a:rPr lang="en-US" sz="2000">
-                <a:solidFill>
-                  <a:schemeClr val="bg1"/>
-                </a:solidFill>
-                <a:latin typeface="Montserrat Medium" pitchFamily="2" charset="77"/>
-              </a:rPr>
-              <a:t>CRN 21844</a:t>
-            </a:r>
-            <a:endParaRPr lang="en-US" sz="2000" dirty="0">
-              <a:solidFill>
-                <a:schemeClr val="bg1"/>
-              </a:solidFill>
-              <a:latin typeface="Montserrat Medium" pitchFamily="2" charset="77"/>
-            </a:endParaRPr>
           </a:p>
         </p:txBody>
       </p:sp>
@@ -7294,7 +7252,7 @@
                 </a:solidFill>
                 <a:latin typeface="Montserrat" pitchFamily="2" charset="77"/>
               </a:rPr>
-              <a:t>wasraw</a:t>
+              <a:t>andrewarsaw</a:t>
             </a:r>
             <a:r>
               <a:rPr lang="en-US" sz="2000" dirty="0">
@@ -7415,13 +7373,13 @@
   <p:clrMapOvr>
     <a:masterClrMapping/>
   </p:clrMapOvr>
-  <mc:AlternateContent xmlns:mc="http://schemas.openxmlformats.org/markup-compatibility/2006">
-    <mc:Choice xmlns:p159="http://schemas.microsoft.com/office/powerpoint/2015/09/main" Requires="p159">
+  <mc:AlternateContent xmlns:mc="http://schemas.openxmlformats.org/markup-compatibility/2006" xmlns:p159="http://schemas.microsoft.com/office/powerpoint/2015/09/main">
+    <mc:Choice Requires="p159">
       <p:transition xmlns:p14="http://schemas.microsoft.com/office/powerpoint/2010/main" spd="slow" p14:dur="2000">
         <p159:morph option="byObject"/>
       </p:transition>
     </mc:Choice>
-    <mc:Fallback>
+    <mc:Fallback xmlns="">
       <p:transition spd="slow">
         <p:fade/>
       </p:transition>
@@ -17079,6 +17037,15 @@
 </file>
 
 <file path=customXml/item1.xml><?xml version="1.0" encoding="utf-8"?>
+<?mso-contentType ?>
+<FormTemplates xmlns="http://schemas.microsoft.com/sharepoint/v3/contenttype/forms">
+  <Display>DocumentLibraryForm</Display>
+  <Edit>DocumentLibraryForm</Edit>
+  <New>DocumentLibraryForm</New>
+</FormTemplates>
+</file>
+
+<file path=customXml/item2.xml><?xml version="1.0" encoding="utf-8"?>
 <p:properties xmlns:p="http://schemas.microsoft.com/office/2006/metadata/properties" xmlns:xsi="http://www.w3.org/2001/XMLSchema-instance" xmlns:pc="http://schemas.microsoft.com/office/infopath/2007/PartnerControls">
   <documentManagement>
     <lcf76f155ced4ddcb4097134ff3c332f xmlns="c5b7859c-cd3e-47bd-a10a-72c7e0897abc">
@@ -17087,15 +17054,6 @@
     <TaxCatchAll xmlns="ddf5e2c5-0468-470a-a2ed-29ebfe52fc9f" xsi:nil="true"/>
   </documentManagement>
 </p:properties>
-</file>
-
-<file path=customXml/item2.xml><?xml version="1.0" encoding="utf-8"?>
-<?mso-contentType ?>
-<FormTemplates xmlns="http://schemas.microsoft.com/sharepoint/v3/contenttype/forms">
-  <Display>DocumentLibraryForm</Display>
-  <Edit>DocumentLibraryForm</Edit>
-  <New>DocumentLibraryForm</New>
-</FormTemplates>
 </file>
 
 <file path=customXml/item3.xml><?xml version="1.0" encoding="utf-8"?>
@@ -17300,26 +17258,26 @@
 </file>
 
 <file path=customXml/itemProps1.xml><?xml version="1.0" encoding="utf-8"?>
-<ds:datastoreItem xmlns:ds="http://schemas.openxmlformats.org/officeDocument/2006/customXml" ds:itemID="{DF7F656B-71DB-444F-A425-3C27E580672A}">
+<ds:datastoreItem xmlns:ds="http://schemas.openxmlformats.org/officeDocument/2006/customXml" ds:itemID="{6457E7DA-BF07-4F59-A61A-7409E4187FEF}">
   <ds:schemaRefs>
-    <ds:schemaRef ds:uri="http://schemas.microsoft.com/office/infopath/2007/PartnerControls"/>
-    <ds:schemaRef ds:uri="http://www.w3.org/XML/1998/namespace"/>
-    <ds:schemaRef ds:uri="http://purl.org/dc/dcmitype/"/>
-    <ds:schemaRef ds:uri="http://schemas.openxmlformats.org/package/2006/metadata/core-properties"/>
-    <ds:schemaRef ds:uri="ddf5e2c5-0468-470a-a2ed-29ebfe52fc9f"/>
-    <ds:schemaRef ds:uri="http://schemas.microsoft.com/office/2006/documentManagement/types"/>
-    <ds:schemaRef ds:uri="http://purl.org/dc/terms/"/>
-    <ds:schemaRef ds:uri="c5b7859c-cd3e-47bd-a10a-72c7e0897abc"/>
-    <ds:schemaRef ds:uri="http://schemas.microsoft.com/office/2006/metadata/properties"/>
-    <ds:schemaRef ds:uri="http://purl.org/dc/elements/1.1/"/>
+    <ds:schemaRef ds:uri="http://schemas.microsoft.com/sharepoint/v3/contenttype/forms"/>
   </ds:schemaRefs>
 </ds:datastoreItem>
 </file>
 
 <file path=customXml/itemProps2.xml><?xml version="1.0" encoding="utf-8"?>
-<ds:datastoreItem xmlns:ds="http://schemas.openxmlformats.org/officeDocument/2006/customXml" ds:itemID="{6457E7DA-BF07-4F59-A61A-7409E4187FEF}">
+<ds:datastoreItem xmlns:ds="http://schemas.openxmlformats.org/officeDocument/2006/customXml" ds:itemID="{DF7F656B-71DB-444F-A425-3C27E580672A}">
   <ds:schemaRefs>
-    <ds:schemaRef ds:uri="http://schemas.microsoft.com/sharepoint/v3/contenttype/forms"/>
+    <ds:schemaRef ds:uri="c5b7859c-cd3e-47bd-a10a-72c7e0897abc"/>
+    <ds:schemaRef ds:uri="http://purl.org/dc/elements/1.1/"/>
+    <ds:schemaRef ds:uri="http://purl.org/dc/dcmitype/"/>
+    <ds:schemaRef ds:uri="http://schemas.microsoft.com/office/2006/metadata/properties"/>
+    <ds:schemaRef ds:uri="http://www.w3.org/XML/1998/namespace"/>
+    <ds:schemaRef ds:uri="http://schemas.microsoft.com/office/2006/documentManagement/types"/>
+    <ds:schemaRef ds:uri="http://purl.org/dc/terms/"/>
+    <ds:schemaRef ds:uri="http://schemas.microsoft.com/office/infopath/2007/PartnerControls"/>
+    <ds:schemaRef ds:uri="http://schemas.openxmlformats.org/package/2006/metadata/core-properties"/>
+    <ds:schemaRef ds:uri="ddf5e2c5-0468-470a-a2ed-29ebfe52fc9f"/>
   </ds:schemaRefs>
 </ds:datastoreItem>
 </file>
